--- a/論文口試.pptx
+++ b/論文口試.pptx
@@ -5,7 +5,7 @@
     <p:sldMasterId id="2147483660" r:id="rId1"/>
   </p:sldMasterIdLst>
   <p:notesMasterIdLst>
-    <p:notesMasterId r:id="rId29"/>
+    <p:notesMasterId r:id="rId30"/>
   </p:notesMasterIdLst>
   <p:sldIdLst>
     <p:sldId id="300" r:id="rId2"/>
@@ -16,8 +16,8 @@
     <p:sldId id="320" r:id="rId7"/>
     <p:sldId id="303" r:id="rId8"/>
     <p:sldId id="263" r:id="rId9"/>
-    <p:sldId id="264" r:id="rId10"/>
-    <p:sldId id="265" r:id="rId11"/>
+    <p:sldId id="265" r:id="rId10"/>
+    <p:sldId id="325" r:id="rId11"/>
     <p:sldId id="305" r:id="rId12"/>
     <p:sldId id="317" r:id="rId13"/>
     <p:sldId id="316" r:id="rId14"/>
@@ -35,6 +35,7 @@
     <p:sldId id="321" r:id="rId26"/>
     <p:sldId id="323" r:id="rId27"/>
     <p:sldId id="322" r:id="rId28"/>
+    <p:sldId id="324" r:id="rId29"/>
   </p:sldIdLst>
   <p:sldSz cx="12192000" cy="6858000"/>
   <p:notesSz cx="6858000" cy="9144000"/>
@@ -146,8 +147,8 @@
             <p14:sldId id="320"/>
             <p14:sldId id="303"/>
             <p14:sldId id="263"/>
-            <p14:sldId id="264"/>
             <p14:sldId id="265"/>
+            <p14:sldId id="325"/>
             <p14:sldId id="305"/>
             <p14:sldId id="317"/>
             <p14:sldId id="316"/>
@@ -165,6 +166,7 @@
             <p14:sldId id="321"/>
             <p14:sldId id="323"/>
             <p14:sldId id="322"/>
+            <p14:sldId id="324"/>
           </p14:sldIdLst>
         </p14:section>
       </p14:sectionLst>
@@ -792,8 +794,20 @@
               </a:spcAft>
               <a:buNone/>
             </a:pPr>
-            <a:r>
-              <a:rPr lang="zh-TW" altLang="zh-TW" sz="1800" dirty="0">
+            <a:endParaRPr lang="en-US" dirty="0"/>
+          </a:p>
+          <a:p>
+            <a:pPr marL="0" lvl="0" indent="0" algn="l" rtl="0">
+              <a:spcBef>
+                <a:spcPts val="0"/>
+              </a:spcBef>
+              <a:spcAft>
+                <a:spcPts val="0"/>
+              </a:spcAft>
+              <a:buNone/>
+            </a:pPr>
+            <a:r>
+              <a:rPr lang="en-US" altLang="zh-TW" sz="1800" dirty="0">
                 <a:solidFill>
                   <a:srgbClr val="000000"/>
                 </a:solidFill>
@@ -802,7 +816,19 @@
                 <a:ea typeface="SimSun" panose="02010600030101010101" pitchFamily="2" charset="-122"/>
                 <a:cs typeface="Times New Roman" panose="02020603050405020304" pitchFamily="18" charset="0"/>
               </a:rPr>
-              <a:t>傳統授課只允許被動學習，這導致教育軟體工程的過程難以提供足夠實用的知識</a:t>
+              <a:t>[27]</a:t>
+            </a:r>
+            <a:r>
+              <a:rPr lang="zh-TW" altLang="zh-TW" sz="1800" dirty="0">
+                <a:solidFill>
+                  <a:srgbClr val="000000"/>
+                </a:solidFill>
+                <a:effectLst/>
+                <a:latin typeface="Palatino Linotype" panose="02040502050505030304" pitchFamily="18" charset="0"/>
+                <a:ea typeface="SimSun" panose="02010600030101010101" pitchFamily="2" charset="-122"/>
+                <a:cs typeface="Times New Roman" panose="02020603050405020304" pitchFamily="18" charset="0"/>
+              </a:rPr>
+              <a:t>，結果發現計算機自我效能、計算機遊戲性對電子學習系統的感知易用性有顯著影響</a:t>
             </a:r>
             <a:endParaRPr lang="en-US" altLang="zh-TW" sz="1800" dirty="0">
               <a:solidFill>
@@ -824,32 +850,8 @@
               </a:spcAft>
               <a:buNone/>
             </a:pPr>
-            <a:endParaRPr lang="en-US" sz="1800" dirty="0">
-              <a:solidFill>
-                <a:srgbClr val="000000"/>
-              </a:solidFill>
-              <a:effectLst/>
-              <a:latin typeface="Palatino Linotype" panose="02040502050505030304" pitchFamily="18" charset="0"/>
-              <a:ea typeface="SimSun" panose="02010600030101010101" pitchFamily="2" charset="-122"/>
-              <a:cs typeface="Times New Roman" panose="02020603050405020304" pitchFamily="18" charset="0"/>
-            </a:endParaRPr>
-          </a:p>
-          <a:p>
-            <a:pPr marL="0" lvl="0" indent="0" algn="l" rtl="0">
-              <a:spcBef>
-                <a:spcPts val="0"/>
-              </a:spcBef>
-              <a:spcAft>
-                <a:spcPts val="0"/>
-              </a:spcAft>
-              <a:buNone/>
-            </a:pPr>
-            <a:r>
-              <a:rPr lang="en-US" dirty="0"/>
-              <a:t>1.</a:t>
-            </a:r>
-            <a:r>
-              <a:rPr lang="zh-TW" altLang="zh-TW" sz="1800" dirty="0">
+            <a:r>
+              <a:rPr lang="en-US" altLang="zh-TW" sz="1800" dirty="0">
                 <a:solidFill>
                   <a:srgbClr val="000000"/>
                 </a:solidFill>
@@ -858,50 +860,10 @@
                 <a:ea typeface="SimSun" panose="02010600030101010101" pitchFamily="2" charset="-122"/>
                 <a:cs typeface="Times New Roman" panose="02020603050405020304" pitchFamily="18" charset="0"/>
               </a:rPr>
-              <a:t>結果顯示該遊戲在引領學生入門軟體工程流程方面取得了一定的成功，學生一致認為將該由納入軟體工程課程中有助於他們理解軟體工程概念</a:t>
-            </a:r>
-            <a:endParaRPr lang="en-US" altLang="zh-TW" sz="1800" dirty="0">
-              <a:solidFill>
-                <a:srgbClr val="000000"/>
-              </a:solidFill>
-              <a:effectLst/>
-              <a:latin typeface="Palatino Linotype" panose="02040502050505030304" pitchFamily="18" charset="0"/>
-              <a:ea typeface="SimSun" panose="02010600030101010101" pitchFamily="2" charset="-122"/>
-              <a:cs typeface="Times New Roman" panose="02020603050405020304" pitchFamily="18" charset="0"/>
-            </a:endParaRPr>
-          </a:p>
-          <a:p>
-            <a:pPr marL="0" lvl="0" indent="0" algn="l" rtl="0">
-              <a:spcBef>
-                <a:spcPts val="0"/>
-              </a:spcBef>
-              <a:spcAft>
-                <a:spcPts val="0"/>
-              </a:spcAft>
-              <a:buNone/>
-            </a:pPr>
-            <a:endParaRPr lang="en-US" sz="1800" dirty="0">
-              <a:solidFill>
-                <a:srgbClr val="000000"/>
-              </a:solidFill>
-              <a:effectLst/>
-              <a:latin typeface="Palatino Linotype" panose="02040502050505030304" pitchFamily="18" charset="0"/>
-              <a:ea typeface="SimSun" panose="02010600030101010101" pitchFamily="2" charset="-122"/>
-              <a:cs typeface="Times New Roman" panose="02020603050405020304" pitchFamily="18" charset="0"/>
-            </a:endParaRPr>
-          </a:p>
-          <a:p>
-            <a:pPr marL="0" lvl="0" indent="0" algn="l" rtl="0">
-              <a:spcBef>
-                <a:spcPts val="0"/>
-              </a:spcBef>
-              <a:spcAft>
-                <a:spcPts val="0"/>
-              </a:spcAft>
-              <a:buNone/>
-            </a:pPr>
-            <a:r>
-              <a:rPr lang="en-US" sz="1800" dirty="0">
+              <a:t>[28]</a:t>
+            </a:r>
+            <a:r>
+              <a:rPr lang="zh-TW" altLang="zh-TW" sz="1800" dirty="0">
                 <a:solidFill>
                   <a:srgbClr val="000000"/>
                 </a:solidFill>
@@ -910,8 +872,20 @@
                 <a:ea typeface="SimSun" panose="02010600030101010101" pitchFamily="2" charset="-122"/>
                 <a:cs typeface="Times New Roman" panose="02020603050405020304" pitchFamily="18" charset="0"/>
               </a:rPr>
-              <a:t>2.</a:t>
-            </a:r>
+              <a:t>研究了遊戲化對對行動銀行服務的影響，研究結果顯示遊戲化與使用手機銀行服務的意向之間存在直接和強烈的關係</a:t>
+            </a:r>
+            <a:endParaRPr lang="en-US" dirty="0"/>
+          </a:p>
+          <a:p>
+            <a:pPr marL="0" lvl="0" indent="0" algn="l" rtl="0">
+              <a:spcBef>
+                <a:spcPts val="0"/>
+              </a:spcBef>
+              <a:spcAft>
+                <a:spcPts val="0"/>
+              </a:spcAft>
+              <a:buNone/>
+            </a:pPr>
             <a:r>
               <a:rPr lang="zh-TW" altLang="zh-TW" sz="1800" dirty="0">
                 <a:solidFill>
@@ -922,89 +896,18 @@
                 <a:ea typeface="SimSun" panose="02010600030101010101" pitchFamily="2" charset="-122"/>
                 <a:cs typeface="Times New Roman" panose="02020603050405020304" pitchFamily="18" charset="0"/>
               </a:rPr>
-              <a:t>他們如何運用遊戲的內在特性，將教授</a:t>
-            </a:r>
-            <a:r>
-              <a:rPr lang="en-US" altLang="zh-TW" sz="1800" dirty="0">
-                <a:solidFill>
-                  <a:srgbClr val="000000"/>
-                </a:solidFill>
-                <a:effectLst/>
-                <a:latin typeface="Palatino Linotype" panose="02040502050505030304" pitchFamily="18" charset="0"/>
-                <a:ea typeface="SimSun" panose="02010600030101010101" pitchFamily="2" charset="-122"/>
-                <a:cs typeface="Times New Roman" panose="02020603050405020304" pitchFamily="18" charset="0"/>
-              </a:rPr>
-              <a:t>Scrum</a:t>
-            </a:r>
-            <a:r>
-              <a:rPr lang="zh-TW" altLang="zh-TW" sz="1800" dirty="0">
-                <a:solidFill>
-                  <a:srgbClr val="000000"/>
-                </a:solidFill>
-                <a:effectLst/>
-                <a:latin typeface="Palatino Linotype" panose="02040502050505030304" pitchFamily="18" charset="0"/>
-                <a:ea typeface="SimSun" panose="02010600030101010101" pitchFamily="2" charset="-122"/>
-                <a:cs typeface="Times New Roman" panose="02020603050405020304" pitchFamily="18" charset="0"/>
-              </a:rPr>
-              <a:t>開發方法，將學生的學習過程轉變為有趣的體驗，並提到遊戲可以在可接受的教學時間和教師負擔範圍內實現深度學習，結果顯示由於遊戲的競爭性，激發了學生在學習的參與度，對學生的學習體驗及學習動機造成了積極的影響</a:t>
-            </a:r>
-            <a:endParaRPr lang="en-US" altLang="zh-TW" sz="1800" dirty="0">
-              <a:solidFill>
-                <a:srgbClr val="000000"/>
-              </a:solidFill>
-              <a:effectLst/>
-              <a:latin typeface="Palatino Linotype" panose="02040502050505030304" pitchFamily="18" charset="0"/>
-              <a:ea typeface="SimSun" panose="02010600030101010101" pitchFamily="2" charset="-122"/>
-              <a:cs typeface="Times New Roman" panose="02020603050405020304" pitchFamily="18" charset="0"/>
-            </a:endParaRPr>
-          </a:p>
-          <a:p>
-            <a:pPr marL="0" lvl="0" indent="0" algn="l" rtl="0">
-              <a:spcBef>
-                <a:spcPts val="0"/>
-              </a:spcBef>
-              <a:spcAft>
-                <a:spcPts val="0"/>
-              </a:spcAft>
-              <a:buNone/>
-            </a:pPr>
-            <a:endParaRPr lang="en-US" sz="1800" dirty="0">
-              <a:solidFill>
-                <a:srgbClr val="000000"/>
-              </a:solidFill>
-              <a:effectLst/>
-              <a:latin typeface="Palatino Linotype" panose="02040502050505030304" pitchFamily="18" charset="0"/>
-              <a:ea typeface="SimSun" panose="02010600030101010101" pitchFamily="2" charset="-122"/>
-              <a:cs typeface="Times New Roman" panose="02020603050405020304" pitchFamily="18" charset="0"/>
-            </a:endParaRPr>
-          </a:p>
-          <a:p>
-            <a:pPr marL="0" lvl="0" indent="0" algn="l" rtl="0">
-              <a:spcBef>
-                <a:spcPts val="0"/>
-              </a:spcBef>
-              <a:spcAft>
-                <a:spcPts val="0"/>
-              </a:spcAft>
-              <a:buNone/>
-            </a:pPr>
-            <a:r>
-              <a:rPr lang="zh-TW" altLang="zh-TW" sz="1800" dirty="0">
-                <a:solidFill>
-                  <a:srgbClr val="000000"/>
-                </a:solidFill>
-                <a:effectLst/>
-                <a:latin typeface="Palatino Linotype" panose="02040502050505030304" pitchFamily="18" charset="0"/>
-                <a:ea typeface="SimSun" panose="02010600030101010101" pitchFamily="2" charset="-122"/>
-                <a:cs typeface="Times New Roman" panose="02020603050405020304" pitchFamily="18" charset="0"/>
-              </a:rPr>
-              <a:t>本研究也選擇加入競爭元素，如排行榜機制來刺激學生產生學習動機</a:t>
+              <a:t>因此對本研究而言，它是最適合我們發展與驗證理論的模型</a:t>
             </a:r>
             <a:endParaRPr dirty="0"/>
           </a:p>
         </p:txBody>
       </p:sp>
     </p:spTree>
+    <p:extLst>
+      <p:ext uri="{BB962C8B-B14F-4D97-AF65-F5344CB8AC3E}">
+        <p14:creationId xmlns:p14="http://schemas.microsoft.com/office/powerpoint/2010/main" val="3928646456"/>
+      </p:ext>
+    </p:extLst>
   </p:cSld>
   <p:clrMapOvr>
     <a:masterClrMapping/>
@@ -5261,7 +5164,7 @@
                 <a:ea typeface="SimSun" panose="02010600030101010101" pitchFamily="2" charset="-122"/>
                 <a:cs typeface="Times New Roman" panose="02020603050405020304" pitchFamily="18" charset="0"/>
               </a:rPr>
-              <a:t>UTAUT2</a:t>
+              <a:t>UTAUT</a:t>
             </a:r>
             <a:r>
               <a:rPr lang="zh-TW" altLang="zh-TW" sz="1800" dirty="0">
@@ -5442,6 +5345,190 @@
     <p:extLst>
       <p:ext uri="{BB962C8B-B14F-4D97-AF65-F5344CB8AC3E}">
         <p14:creationId xmlns:p14="http://schemas.microsoft.com/office/powerpoint/2010/main" val="2995078005"/>
+      </p:ext>
+    </p:extLst>
+  </p:cSld>
+  <p:clrMapOvr>
+    <a:masterClrMapping/>
+  </p:clrMapOvr>
+</p:notes>
+</file>
+
+<file path=ppt/notesSlides/notesSlide28.xml><?xml version="1.0" encoding="utf-8"?>
+<p:notes xmlns:a="http://schemas.openxmlformats.org/drawingml/2006/main" xmlns:r="http://schemas.openxmlformats.org/officeDocument/2006/relationships" xmlns:p="http://schemas.openxmlformats.org/presentationml/2006/main" showMasterSp="0" showMasterPhAnim="0">
+  <p:cSld>
+    <p:spTree>
+      <p:nvGrpSpPr>
+        <p:cNvPr id="1" name="Shape 353"/>
+        <p:cNvGrpSpPr/>
+        <p:nvPr/>
+      </p:nvGrpSpPr>
+      <p:grpSpPr>
+        <a:xfrm>
+          <a:off x="0" y="0"/>
+          <a:ext cx="0" cy="0"/>
+          <a:chOff x="0" y="0"/>
+          <a:chExt cx="0" cy="0"/>
+        </a:xfrm>
+      </p:grpSpPr>
+      <p:sp>
+        <p:nvSpPr>
+          <p:cNvPr id="354" name="Google Shape;354;g7a9fb85e2c_0_34:notes"/>
+          <p:cNvSpPr>
+            <a:spLocks noGrp="1" noRot="1" noChangeAspect="1"/>
+          </p:cNvSpPr>
+          <p:nvPr>
+            <p:ph type="sldImg" idx="2"/>
+          </p:nvPr>
+        </p:nvSpPr>
+        <p:spPr>
+          <a:xfrm>
+            <a:off x="381000" y="685800"/>
+            <a:ext cx="6096000" cy="3429000"/>
+          </a:xfrm>
+          <a:custGeom>
+            <a:avLst/>
+            <a:gdLst/>
+            <a:ahLst/>
+            <a:cxnLst/>
+            <a:rect l="l" t="t" r="r" b="b"/>
+            <a:pathLst>
+              <a:path w="120000" h="120000" extrusionOk="0">
+                <a:moveTo>
+                  <a:pt x="0" y="0"/>
+                </a:moveTo>
+                <a:lnTo>
+                  <a:pt x="120000" y="0"/>
+                </a:lnTo>
+                <a:lnTo>
+                  <a:pt x="120000" y="120000"/>
+                </a:lnTo>
+                <a:lnTo>
+                  <a:pt x="0" y="120000"/>
+                </a:lnTo>
+                <a:close/>
+              </a:path>
+            </a:pathLst>
+          </a:custGeom>
+        </p:spPr>
+      </p:sp>
+      <p:sp>
+        <p:nvSpPr>
+          <p:cNvPr id="355" name="Google Shape;355;g7a9fb85e2c_0_34:notes"/>
+          <p:cNvSpPr txBox="1">
+            <a:spLocks noGrp="1"/>
+          </p:cNvSpPr>
+          <p:nvPr>
+            <p:ph type="body" idx="1"/>
+          </p:nvPr>
+        </p:nvSpPr>
+        <p:spPr>
+          <a:xfrm>
+            <a:off x="685800" y="4343400"/>
+            <a:ext cx="5486400" cy="4114800"/>
+          </a:xfrm>
+          <a:prstGeom prst="rect">
+            <a:avLst/>
+          </a:prstGeom>
+        </p:spPr>
+        <p:txBody>
+          <a:bodyPr spcFirstLastPara="1" wrap="square" lIns="91425" tIns="91425" rIns="91425" bIns="91425" anchor="t" anchorCtr="0">
+            <a:noAutofit/>
+          </a:bodyPr>
+          <a:lstStyle/>
+          <a:p>
+            <a:pPr marL="0" lvl="0" indent="0" algn="l" rtl="0">
+              <a:spcBef>
+                <a:spcPts val="0"/>
+              </a:spcBef>
+              <a:spcAft>
+                <a:spcPts val="0"/>
+              </a:spcAft>
+              <a:buNone/>
+            </a:pPr>
+            <a:r>
+              <a:rPr lang="zh-TW" altLang="zh-TW" sz="1800" dirty="0">
+                <a:solidFill>
+                  <a:srgbClr val="000000"/>
+                </a:solidFill>
+                <a:effectLst/>
+                <a:latin typeface="標楷體" panose="03000509000000000000" pitchFamily="65" charset="-120"/>
+                <a:ea typeface="SimSun" panose="02010600030101010101" pitchFamily="2" charset="-122"/>
+                <a:cs typeface="Times New Roman" panose="02020603050405020304" pitchFamily="18" charset="0"/>
+              </a:rPr>
+              <a:t>根據研究模型各構面之間的關係，提出以下假設</a:t>
+            </a:r>
+            <a:r>
+              <a:rPr lang="en-US" altLang="zh-TW" sz="1800" dirty="0">
+                <a:solidFill>
+                  <a:srgbClr val="000000"/>
+                </a:solidFill>
+                <a:effectLst/>
+                <a:latin typeface="標楷體" panose="03000509000000000000" pitchFamily="65" charset="-120"/>
+                <a:ea typeface="SimSun" panose="02010600030101010101" pitchFamily="2" charset="-122"/>
+                <a:cs typeface="Times New Roman" panose="02020603050405020304" pitchFamily="18" charset="0"/>
+              </a:rPr>
+              <a:t>:</a:t>
+            </a:r>
+            <a:endParaRPr lang="en-US" altLang="zh-TW" dirty="0"/>
+          </a:p>
+        </p:txBody>
+      </p:sp>
+      <p:sp>
+        <p:nvSpPr>
+          <p:cNvPr id="356" name="Google Shape;356;g7a9fb85e2c_0_34:notes"/>
+          <p:cNvSpPr txBox="1">
+            <a:spLocks noGrp="1"/>
+          </p:cNvSpPr>
+          <p:nvPr>
+            <p:ph type="sldNum" idx="12"/>
+          </p:nvPr>
+        </p:nvSpPr>
+        <p:spPr>
+          <a:xfrm>
+            <a:off x="3884613" y="8685213"/>
+            <a:ext cx="2971800" cy="457200"/>
+          </a:xfrm>
+          <a:prstGeom prst="rect">
+            <a:avLst/>
+          </a:prstGeom>
+          <a:noFill/>
+          <a:ln>
+            <a:noFill/>
+          </a:ln>
+        </p:spPr>
+        <p:txBody>
+          <a:bodyPr spcFirstLastPara="1" wrap="square" lIns="91425" tIns="91425" rIns="91425" bIns="91425" anchor="ctr" anchorCtr="0">
+            <a:noAutofit/>
+          </a:bodyPr>
+          <a:lstStyle/>
+          <a:p>
+            <a:pPr marL="0" lvl="0" indent="0" algn="l" rtl="0">
+              <a:spcBef>
+                <a:spcPts val="0"/>
+              </a:spcBef>
+              <a:spcAft>
+                <a:spcPts val="0"/>
+              </a:spcAft>
+              <a:buClr>
+                <a:srgbClr val="000000"/>
+              </a:buClr>
+              <a:buSzPts val="1200"/>
+              <a:buFont typeface="Arial"/>
+              <a:buNone/>
+            </a:pPr>
+            <a:fld id="{00000000-1234-1234-1234-123412341234}" type="slidenum">
+              <a:rPr lang="en-US" altLang="zh-TW"/>
+              <a:t>28</a:t>
+            </a:fld>
+            <a:endParaRPr/>
+          </a:p>
+        </p:txBody>
+      </p:sp>
+    </p:spTree>
+    <p:extLst>
+      <p:ext uri="{BB962C8B-B14F-4D97-AF65-F5344CB8AC3E}">
+        <p14:creationId xmlns:p14="http://schemas.microsoft.com/office/powerpoint/2010/main" val="1296840108"/>
       </p:ext>
     </p:extLst>
   </p:cSld>
@@ -6149,7 +6236,7 @@
   <p:cSld>
     <p:spTree>
       <p:nvGrpSpPr>
-        <p:cNvPr id="1" name="Shape 224"/>
+        <p:cNvPr id="1" name="Shape 231"/>
         <p:cNvGrpSpPr/>
         <p:nvPr/>
       </p:nvGrpSpPr>
@@ -6163,7 +6250,7 @@
       </p:grpSpPr>
       <p:sp>
         <p:nvSpPr>
-          <p:cNvPr id="225" name="Google Shape;225;g82956acb37_2_0:notes"/>
+          <p:cNvPr id="232" name="Google Shape;232;g829c2bcfc7_0_20:notes"/>
           <p:cNvSpPr>
             <a:spLocks noGrp="1" noRot="1" noChangeAspect="1"/>
           </p:cNvSpPr>
@@ -6204,7 +6291,7 @@
       </p:sp>
       <p:sp>
         <p:nvSpPr>
-          <p:cNvPr id="226" name="Google Shape;226;g82956acb37_2_0:notes"/>
+          <p:cNvPr id="233" name="Google Shape;233;g829c2bcfc7_0_20:notes"/>
           <p:cNvSpPr txBox="1">
             <a:spLocks noGrp="1"/>
           </p:cNvSpPr>
@@ -6227,22 +6314,14 @@
           </a:bodyPr>
           <a:lstStyle/>
           <a:p>
-            <a:pPr marL="0" marR="0" lvl="0" indent="0" algn="l" defTabSz="914400" rtl="0" eaLnBrk="1" fontAlgn="auto" latinLnBrk="0" hangingPunct="1">
-              <a:lnSpc>
-                <a:spcPct val="100000"/>
-              </a:lnSpc>
-              <a:spcBef>
-                <a:spcPts val="169"/>
-              </a:spcBef>
-              <a:spcAft>
-                <a:spcPts val="0"/>
-              </a:spcAft>
-              <a:buClrTx/>
-              <a:buSzTx/>
-              <a:buFontTx/>
+            <a:pPr marL="0" lvl="0" indent="0" algn="l" rtl="0">
+              <a:spcBef>
+                <a:spcPts val="0"/>
+              </a:spcBef>
+              <a:spcAft>
+                <a:spcPts val="0"/>
+              </a:spcAft>
               <a:buNone/>
-              <a:tabLst/>
-              <a:defRPr/>
             </a:pPr>
             <a:r>
               <a:rPr lang="zh-TW" altLang="zh-TW" sz="1800" dirty="0">
@@ -6251,23 +6330,208 @@
                 </a:solidFill>
                 <a:effectLst/>
                 <a:latin typeface="Palatino Linotype" panose="02040502050505030304" pitchFamily="18" charset="0"/>
-                <a:ea typeface="標楷體" panose="03000509000000000000" pitchFamily="65" charset="-120"/>
+                <a:ea typeface="SimSun" panose="02010600030101010101" pitchFamily="2" charset="-122"/>
                 <a:cs typeface="Times New Roman" panose="02020603050405020304" pitchFamily="18" charset="0"/>
               </a:rPr>
-              <a:t>本研究引入其中的點數、獎章、排行榜等元素作為主要的遊戲機制。</a:t>
-            </a:r>
+              <a:t>傳統授課只允許被動學習，這導致教育軟體工程的過程難以提供足夠實用的知識</a:t>
+            </a:r>
+            <a:endParaRPr lang="en-US" altLang="zh-TW" sz="1800" dirty="0">
+              <a:solidFill>
+                <a:srgbClr val="000000"/>
+              </a:solidFill>
+              <a:effectLst/>
+              <a:latin typeface="Palatino Linotype" panose="02040502050505030304" pitchFamily="18" charset="0"/>
+              <a:ea typeface="SimSun" panose="02010600030101010101" pitchFamily="2" charset="-122"/>
+              <a:cs typeface="Times New Roman" panose="02020603050405020304" pitchFamily="18" charset="0"/>
+            </a:endParaRPr>
           </a:p>
           <a:p>
             <a:pPr marL="0" lvl="0" indent="0" algn="l" rtl="0">
               <a:spcBef>
-                <a:spcPts val="169"/>
+                <a:spcPts val="0"/>
               </a:spcBef>
               <a:spcAft>
                 <a:spcPts val="0"/>
               </a:spcAft>
               <a:buNone/>
             </a:pPr>
-            <a:endParaRPr sz="2000" dirty="0"/>
+            <a:endParaRPr lang="en-US" sz="1800" dirty="0">
+              <a:solidFill>
+                <a:srgbClr val="000000"/>
+              </a:solidFill>
+              <a:effectLst/>
+              <a:latin typeface="Palatino Linotype" panose="02040502050505030304" pitchFamily="18" charset="0"/>
+              <a:ea typeface="SimSun" panose="02010600030101010101" pitchFamily="2" charset="-122"/>
+              <a:cs typeface="Times New Roman" panose="02020603050405020304" pitchFamily="18" charset="0"/>
+            </a:endParaRPr>
+          </a:p>
+          <a:p>
+            <a:pPr marL="0" lvl="0" indent="0" algn="l" rtl="0">
+              <a:spcBef>
+                <a:spcPts val="0"/>
+              </a:spcBef>
+              <a:spcAft>
+                <a:spcPts val="0"/>
+              </a:spcAft>
+              <a:buNone/>
+            </a:pPr>
+            <a:r>
+              <a:rPr lang="en-US" dirty="0"/>
+              <a:t>1.</a:t>
+            </a:r>
+            <a:r>
+              <a:rPr lang="zh-TW" altLang="zh-TW" sz="1800" dirty="0">
+                <a:solidFill>
+                  <a:srgbClr val="000000"/>
+                </a:solidFill>
+                <a:effectLst/>
+                <a:latin typeface="Palatino Linotype" panose="02040502050505030304" pitchFamily="18" charset="0"/>
+                <a:ea typeface="SimSun" panose="02010600030101010101" pitchFamily="2" charset="-122"/>
+                <a:cs typeface="Times New Roman" panose="02020603050405020304" pitchFamily="18" charset="0"/>
+              </a:rPr>
+              <a:t>結果顯示該遊戲在引領學生入門軟體工程流程方面取得了一定的成功，學生一致認為將該由納入軟體工程課程中有助於他們理解軟體工程概念</a:t>
+            </a:r>
+            <a:endParaRPr lang="en-US" altLang="zh-TW" sz="1800" dirty="0">
+              <a:solidFill>
+                <a:srgbClr val="000000"/>
+              </a:solidFill>
+              <a:effectLst/>
+              <a:latin typeface="Palatino Linotype" panose="02040502050505030304" pitchFamily="18" charset="0"/>
+              <a:ea typeface="SimSun" panose="02010600030101010101" pitchFamily="2" charset="-122"/>
+              <a:cs typeface="Times New Roman" panose="02020603050405020304" pitchFamily="18" charset="0"/>
+            </a:endParaRPr>
+          </a:p>
+          <a:p>
+            <a:pPr marL="0" lvl="0" indent="0" algn="l" rtl="0">
+              <a:spcBef>
+                <a:spcPts val="0"/>
+              </a:spcBef>
+              <a:spcAft>
+                <a:spcPts val="0"/>
+              </a:spcAft>
+              <a:buNone/>
+            </a:pPr>
+            <a:endParaRPr lang="en-US" sz="1800" dirty="0">
+              <a:solidFill>
+                <a:srgbClr val="000000"/>
+              </a:solidFill>
+              <a:effectLst/>
+              <a:latin typeface="Palatino Linotype" panose="02040502050505030304" pitchFamily="18" charset="0"/>
+              <a:ea typeface="SimSun" panose="02010600030101010101" pitchFamily="2" charset="-122"/>
+              <a:cs typeface="Times New Roman" panose="02020603050405020304" pitchFamily="18" charset="0"/>
+            </a:endParaRPr>
+          </a:p>
+          <a:p>
+            <a:pPr marL="0" lvl="0" indent="0" algn="l" rtl="0">
+              <a:spcBef>
+                <a:spcPts val="0"/>
+              </a:spcBef>
+              <a:spcAft>
+                <a:spcPts val="0"/>
+              </a:spcAft>
+              <a:buNone/>
+            </a:pPr>
+            <a:r>
+              <a:rPr lang="en-US" sz="1800" dirty="0">
+                <a:solidFill>
+                  <a:srgbClr val="000000"/>
+                </a:solidFill>
+                <a:effectLst/>
+                <a:latin typeface="Palatino Linotype" panose="02040502050505030304" pitchFamily="18" charset="0"/>
+                <a:ea typeface="SimSun" panose="02010600030101010101" pitchFamily="2" charset="-122"/>
+                <a:cs typeface="Times New Roman" panose="02020603050405020304" pitchFamily="18" charset="0"/>
+              </a:rPr>
+              <a:t>2.</a:t>
+            </a:r>
+            <a:r>
+              <a:rPr lang="zh-TW" altLang="zh-TW" sz="1800" dirty="0">
+                <a:solidFill>
+                  <a:srgbClr val="000000"/>
+                </a:solidFill>
+                <a:effectLst/>
+                <a:latin typeface="Palatino Linotype" panose="02040502050505030304" pitchFamily="18" charset="0"/>
+                <a:ea typeface="SimSun" panose="02010600030101010101" pitchFamily="2" charset="-122"/>
+                <a:cs typeface="Times New Roman" panose="02020603050405020304" pitchFamily="18" charset="0"/>
+              </a:rPr>
+              <a:t>他們如何運用遊戲的內在特性，將教授</a:t>
+            </a:r>
+            <a:r>
+              <a:rPr lang="en-US" altLang="zh-TW" sz="1800" dirty="0">
+                <a:solidFill>
+                  <a:srgbClr val="000000"/>
+                </a:solidFill>
+                <a:effectLst/>
+                <a:latin typeface="Palatino Linotype" panose="02040502050505030304" pitchFamily="18" charset="0"/>
+                <a:ea typeface="SimSun" panose="02010600030101010101" pitchFamily="2" charset="-122"/>
+                <a:cs typeface="Times New Roman" panose="02020603050405020304" pitchFamily="18" charset="0"/>
+              </a:rPr>
+              <a:t>Scrum</a:t>
+            </a:r>
+            <a:r>
+              <a:rPr lang="zh-TW" altLang="zh-TW" sz="1800" dirty="0">
+                <a:solidFill>
+                  <a:srgbClr val="000000"/>
+                </a:solidFill>
+                <a:effectLst/>
+                <a:latin typeface="Palatino Linotype" panose="02040502050505030304" pitchFamily="18" charset="0"/>
+                <a:ea typeface="SimSun" panose="02010600030101010101" pitchFamily="2" charset="-122"/>
+                <a:cs typeface="Times New Roman" panose="02020603050405020304" pitchFamily="18" charset="0"/>
+              </a:rPr>
+              <a:t>開發方法，將學生的學習過程轉變為有趣的體驗，並提到遊戲可以在可接受的教學時間和教師負擔範圍內實現深度學習，結果顯示由於遊戲的競爭性，激發了學生在學習的參與度，對學生的學習體驗及學習動機造成了積極的影響</a:t>
+            </a:r>
+            <a:endParaRPr lang="en-US" altLang="zh-TW" sz="1800" dirty="0">
+              <a:solidFill>
+                <a:srgbClr val="000000"/>
+              </a:solidFill>
+              <a:effectLst/>
+              <a:latin typeface="Palatino Linotype" panose="02040502050505030304" pitchFamily="18" charset="0"/>
+              <a:ea typeface="SimSun" panose="02010600030101010101" pitchFamily="2" charset="-122"/>
+              <a:cs typeface="Times New Roman" panose="02020603050405020304" pitchFamily="18" charset="0"/>
+            </a:endParaRPr>
+          </a:p>
+          <a:p>
+            <a:pPr marL="0" lvl="0" indent="0" algn="l" rtl="0">
+              <a:spcBef>
+                <a:spcPts val="0"/>
+              </a:spcBef>
+              <a:spcAft>
+                <a:spcPts val="0"/>
+              </a:spcAft>
+              <a:buNone/>
+            </a:pPr>
+            <a:endParaRPr lang="en-US" sz="1800" dirty="0">
+              <a:solidFill>
+                <a:srgbClr val="000000"/>
+              </a:solidFill>
+              <a:effectLst/>
+              <a:latin typeface="Palatino Linotype" panose="02040502050505030304" pitchFamily="18" charset="0"/>
+              <a:ea typeface="SimSun" panose="02010600030101010101" pitchFamily="2" charset="-122"/>
+              <a:cs typeface="Times New Roman" panose="02020603050405020304" pitchFamily="18" charset="0"/>
+            </a:endParaRPr>
+          </a:p>
+          <a:p>
+            <a:pPr marL="0" lvl="0" indent="0" algn="l" rtl="0">
+              <a:spcBef>
+                <a:spcPts val="0"/>
+              </a:spcBef>
+              <a:spcAft>
+                <a:spcPts val="0"/>
+              </a:spcAft>
+              <a:buNone/>
+            </a:pPr>
+            <a:r>
+              <a:rPr lang="zh-TW" altLang="zh-TW" sz="1800" dirty="0">
+                <a:solidFill>
+                  <a:srgbClr val="000000"/>
+                </a:solidFill>
+                <a:effectLst/>
+                <a:latin typeface="Palatino Linotype" panose="02040502050505030304" pitchFamily="18" charset="0"/>
+                <a:ea typeface="SimSun" panose="02010600030101010101" pitchFamily="2" charset="-122"/>
+                <a:cs typeface="Times New Roman" panose="02020603050405020304" pitchFamily="18" charset="0"/>
+              </a:rPr>
+              <a:t>本研究也選擇加入競爭元素，如排行榜機制來刺激學生產生學習動機</a:t>
+            </a:r>
+            <a:endParaRPr dirty="0"/>
           </a:p>
         </p:txBody>
       </p:sp>
@@ -11769,6 +12033,41 @@
           <a:chExt cx="0" cy="0"/>
         </a:xfrm>
       </p:grpSpPr>
+      <p:pic>
+        <p:nvPicPr>
+          <p:cNvPr id="4" name="圖片 3">
+            <a:extLst>
+              <a:ext uri="{FF2B5EF4-FFF2-40B4-BE49-F238E27FC236}">
+                <a16:creationId xmlns:a16="http://schemas.microsoft.com/office/drawing/2014/main" id="{CB543F35-E749-4685-9CAC-94AAF839E3DE}"/>
+              </a:ext>
+            </a:extLst>
+          </p:cNvPr>
+          <p:cNvPicPr>
+            <a:picLocks noChangeAspect="1"/>
+          </p:cNvPicPr>
+          <p:nvPr/>
+        </p:nvPicPr>
+        <p:blipFill>
+          <a:blip r:embed="rId3">
+            <a:extLst>
+              <a:ext uri="{28A0092B-C50C-407E-A947-70E740481C1C}">
+                <a14:useLocalDpi xmlns:a14="http://schemas.microsoft.com/office/drawing/2010/main" val="0"/>
+              </a:ext>
+            </a:extLst>
+          </a:blip>
+          <a:srcRect/>
+          <a:stretch/>
+        </p:blipFill>
+        <p:spPr>
+          <a:xfrm>
+            <a:off x="6764357" y="3216047"/>
+            <a:ext cx="4256971" cy="3490238"/>
+          </a:xfrm>
+          <a:prstGeom prst="rect">
+            <a:avLst/>
+          </a:prstGeom>
+        </p:spPr>
+      </p:pic>
       <p:sp>
         <p:nvSpPr>
           <p:cNvPr id="235" name="Google Shape;235;p37"/>
@@ -11846,7 +12145,7 @@
         <p:spPr>
           <a:xfrm>
             <a:off x="624417" y="1773239"/>
-            <a:ext cx="10972800" cy="4827600"/>
+            <a:ext cx="10972800" cy="1454703"/>
           </a:xfrm>
           <a:prstGeom prst="rect">
             <a:avLst/>
@@ -11871,7 +12170,7 @@
               <a:buNone/>
             </a:pPr>
             <a:r>
-              <a:rPr lang="zh-TW" altLang="en-US" b="1" dirty="0">
+              <a:rPr lang="en-US" altLang="zh-TW" b="1" dirty="0">
                 <a:solidFill>
                   <a:srgbClr val="000000"/>
                 </a:solidFill>
@@ -11880,21 +12179,9 @@
                 <a:cs typeface="DFKai-SB"/>
                 <a:sym typeface="DFKai-SB"/>
               </a:rPr>
-              <a:t>軟體工程中的教育遊戲</a:t>
-            </a:r>
-            <a:r>
-              <a:rPr lang="zh-TW" b="1" dirty="0">
-                <a:solidFill>
-                  <a:srgbClr val="000000"/>
-                </a:solidFill>
-                <a:latin typeface="DFKai-SB"/>
-                <a:ea typeface="DFKai-SB"/>
-                <a:cs typeface="DFKai-SB"/>
-                <a:sym typeface="DFKai-SB"/>
-              </a:rPr>
-              <a:t>: </a:t>
-            </a:r>
-            <a:endParaRPr b="1" dirty="0">
+              <a:t>Unified theory of acceptance and use of technology (UTAUT2) Model: </a:t>
+            </a:r>
+            <a:endParaRPr lang="en-US" b="1" dirty="0">
               <a:solidFill>
                 <a:srgbClr val="000000"/>
               </a:solidFill>
@@ -11934,12 +12221,20 @@
               <a:buChar char="•"/>
             </a:pPr>
             <a:r>
+              <a:rPr lang="zh-TW" altLang="en-US" dirty="0">
+                <a:solidFill>
+                  <a:srgbClr val="000000"/>
+                </a:solidFill>
+              </a:rPr>
+              <a:t>由</a:t>
+            </a:r>
+            <a:r>
               <a:rPr lang="en-US" altLang="zh-TW" dirty="0">
                 <a:solidFill>
                   <a:srgbClr val="000000"/>
                 </a:solidFill>
               </a:rPr>
-              <a:t>Alex Baker</a:t>
+              <a:t>Venkatesh</a:t>
             </a:r>
             <a:r>
               <a:rPr lang="zh-TW" altLang="en-US" dirty="0">
@@ -11951,7 +12246,79 @@
                 <a:cs typeface="DFKai-SB"/>
                 <a:sym typeface="DFKai-SB"/>
               </a:rPr>
-              <a:t>等人設計一款模擬軟體工程過程的教育紙牌遊戲，遊戲流程與瀑布開發模式的流程相同，並導入開發過程可能發生的問題，以使學生充分了解軟體工程的過程</a:t>
+              <a:t>等人提出，整合了包含技術接受模型（</a:t>
+            </a:r>
+            <a:r>
+              <a:rPr lang="en-US" altLang="zh-TW" dirty="0">
+                <a:solidFill>
+                  <a:srgbClr val="000000"/>
+                </a:solidFill>
+                <a:latin typeface="DFKai-SB"/>
+                <a:ea typeface="DFKai-SB"/>
+                <a:cs typeface="DFKai-SB"/>
+                <a:sym typeface="DFKai-SB"/>
+              </a:rPr>
+              <a:t>TAM</a:t>
+            </a:r>
+            <a:r>
+              <a:rPr lang="zh-TW" altLang="en-US" dirty="0">
+                <a:solidFill>
+                  <a:srgbClr val="000000"/>
+                </a:solidFill>
+                <a:latin typeface="DFKai-SB"/>
+                <a:ea typeface="DFKai-SB"/>
+                <a:cs typeface="DFKai-SB"/>
+                <a:sym typeface="DFKai-SB"/>
+              </a:rPr>
+              <a:t>）、動機模型（</a:t>
+            </a:r>
+            <a:r>
+              <a:rPr lang="en-US" altLang="zh-TW" dirty="0">
+                <a:solidFill>
+                  <a:srgbClr val="000000"/>
+                </a:solidFill>
+                <a:latin typeface="DFKai-SB"/>
+                <a:ea typeface="DFKai-SB"/>
+                <a:cs typeface="DFKai-SB"/>
+                <a:sym typeface="DFKai-SB"/>
+              </a:rPr>
+              <a:t>Motivational Model</a:t>
+            </a:r>
+            <a:r>
+              <a:rPr lang="zh-TW" altLang="en-US" dirty="0">
+                <a:solidFill>
+                  <a:srgbClr val="000000"/>
+                </a:solidFill>
+                <a:latin typeface="DFKai-SB"/>
+                <a:ea typeface="DFKai-SB"/>
+                <a:cs typeface="DFKai-SB"/>
+                <a:sym typeface="DFKai-SB"/>
+              </a:rPr>
+              <a:t>，簡稱</a:t>
+            </a:r>
+            <a:r>
+              <a:rPr lang="en-US" altLang="zh-TW" dirty="0">
+                <a:solidFill>
+                  <a:srgbClr val="000000"/>
+                </a:solidFill>
+                <a:latin typeface="DFKai-SB"/>
+                <a:ea typeface="DFKai-SB"/>
+                <a:cs typeface="DFKai-SB"/>
+                <a:sym typeface="DFKai-SB"/>
+              </a:rPr>
+              <a:t>MM</a:t>
+            </a:r>
+            <a:r>
+              <a:rPr lang="zh-TW" altLang="en-US" dirty="0">
+                <a:solidFill>
+                  <a:srgbClr val="000000"/>
+                </a:solidFill>
+                <a:latin typeface="DFKai-SB"/>
+                <a:ea typeface="DFKai-SB"/>
+                <a:cs typeface="DFKai-SB"/>
+                <a:sym typeface="DFKai-SB"/>
+              </a:rPr>
+              <a:t>）等等八種主要的技術接受理論，將主要因素進行整合而形成的綜合模型。</a:t>
             </a:r>
             <a:endParaRPr lang="en-US" altLang="zh-TW" dirty="0">
               <a:solidFill>
@@ -11961,183 +12328,6 @@
               <a:ea typeface="DFKai-SB"/>
               <a:cs typeface="DFKai-SB"/>
               <a:sym typeface="DFKai-SB"/>
-            </a:endParaRPr>
-          </a:p>
-          <a:p>
-            <a:pPr indent="-457189">
-              <a:buClr>
-                <a:srgbClr val="000000"/>
-              </a:buClr>
-              <a:buSzPts val="1800"/>
-              <a:buFont typeface="DFKai-SB"/>
-              <a:buChar char="•"/>
-            </a:pPr>
-            <a:endParaRPr lang="en-US" dirty="0">
-              <a:solidFill>
-                <a:srgbClr val="000000"/>
-              </a:solidFill>
-              <a:latin typeface="DFKai-SB"/>
-              <a:ea typeface="DFKai-SB"/>
-              <a:cs typeface="DFKai-SB"/>
-              <a:sym typeface="DFKai-SB"/>
-            </a:endParaRPr>
-          </a:p>
-          <a:p>
-            <a:pPr indent="-457189">
-              <a:buClr>
-                <a:srgbClr val="000000"/>
-              </a:buClr>
-              <a:buSzPts val="1800"/>
-              <a:buFont typeface="DFKai-SB"/>
-              <a:buChar char="•"/>
-            </a:pPr>
-            <a:r>
-              <a:rPr lang="en-US" altLang="zh-TW" dirty="0">
-                <a:solidFill>
-                  <a:srgbClr val="000000"/>
-                </a:solidFill>
-                <a:latin typeface="DFKai-SB"/>
-                <a:ea typeface="DFKai-SB"/>
-                <a:cs typeface="DFKai-SB"/>
-                <a:sym typeface="DFKai-SB"/>
-              </a:rPr>
-              <a:t>Christiane </a:t>
-            </a:r>
-            <a:r>
-              <a:rPr lang="en-US" altLang="zh-TW" dirty="0" err="1">
-                <a:solidFill>
-                  <a:srgbClr val="000000"/>
-                </a:solidFill>
-                <a:latin typeface="DFKai-SB"/>
-                <a:ea typeface="DFKai-SB"/>
-                <a:cs typeface="DFKai-SB"/>
-                <a:sym typeface="DFKai-SB"/>
-              </a:rPr>
-              <a:t>Gresse</a:t>
-            </a:r>
-            <a:r>
-              <a:rPr lang="en-US" altLang="zh-TW" dirty="0">
-                <a:solidFill>
-                  <a:srgbClr val="000000"/>
-                </a:solidFill>
-                <a:latin typeface="DFKai-SB"/>
-                <a:ea typeface="DFKai-SB"/>
-                <a:cs typeface="DFKai-SB"/>
-                <a:sym typeface="DFKai-SB"/>
-              </a:rPr>
-              <a:t> von </a:t>
-            </a:r>
-            <a:r>
-              <a:rPr lang="en-US" altLang="zh-TW" dirty="0" err="1">
-                <a:solidFill>
-                  <a:srgbClr val="000000"/>
-                </a:solidFill>
-                <a:latin typeface="DFKai-SB"/>
-                <a:ea typeface="DFKai-SB"/>
-                <a:cs typeface="DFKai-SB"/>
-                <a:sym typeface="DFKai-SB"/>
-              </a:rPr>
-              <a:t>Wangenheim</a:t>
-            </a:r>
-            <a:r>
-              <a:rPr lang="zh-TW" altLang="en-US" dirty="0">
-                <a:solidFill>
-                  <a:srgbClr val="000000"/>
-                </a:solidFill>
-                <a:latin typeface="DFKai-SB"/>
-                <a:ea typeface="DFKai-SB"/>
-                <a:cs typeface="DFKai-SB"/>
-                <a:sym typeface="DFKai-SB"/>
-              </a:rPr>
-              <a:t>等人提出運用遊戲教學</a:t>
-            </a:r>
-            <a:r>
-              <a:rPr lang="en-US" altLang="zh-TW" dirty="0">
-                <a:solidFill>
-                  <a:srgbClr val="000000"/>
-                </a:solidFill>
-                <a:latin typeface="DFKai-SB"/>
-                <a:ea typeface="DFKai-SB"/>
-                <a:cs typeface="DFKai-SB"/>
-                <a:sym typeface="DFKai-SB"/>
-              </a:rPr>
-              <a:t>Scrum</a:t>
-            </a:r>
-            <a:r>
-              <a:rPr lang="zh-TW" altLang="en-US" dirty="0">
-                <a:solidFill>
-                  <a:srgbClr val="000000"/>
-                </a:solidFill>
-                <a:latin typeface="DFKai-SB"/>
-                <a:ea typeface="DFKai-SB"/>
-                <a:cs typeface="DFKai-SB"/>
-                <a:sym typeface="DFKai-SB"/>
-              </a:rPr>
-              <a:t>開發方法，在課堂中模擬</a:t>
-            </a:r>
-            <a:r>
-              <a:rPr lang="en-US" altLang="zh-TW" dirty="0">
-                <a:solidFill>
-                  <a:srgbClr val="000000"/>
-                </a:solidFill>
-                <a:latin typeface="DFKai-SB"/>
-                <a:ea typeface="DFKai-SB"/>
-                <a:cs typeface="DFKai-SB"/>
-                <a:sym typeface="DFKai-SB"/>
-              </a:rPr>
-              <a:t>Scrum</a:t>
-            </a:r>
-            <a:r>
-              <a:rPr lang="zh-TW" altLang="en-US" dirty="0">
-                <a:solidFill>
-                  <a:srgbClr val="000000"/>
-                </a:solidFill>
-                <a:latin typeface="DFKai-SB"/>
-                <a:ea typeface="DFKai-SB"/>
-                <a:cs typeface="DFKai-SB"/>
-                <a:sym typeface="DFKai-SB"/>
-              </a:rPr>
-              <a:t>的開發環節並進行小組競爭，成功激發學生的參與度</a:t>
-            </a:r>
-          </a:p>
-          <a:p>
-            <a:pPr marL="609585" indent="0">
-              <a:spcBef>
-                <a:spcPts val="225"/>
-              </a:spcBef>
-              <a:spcAft>
-                <a:spcPts val="0"/>
-              </a:spcAft>
-              <a:buNone/>
-            </a:pPr>
-            <a:endParaRPr dirty="0">
-              <a:solidFill>
-                <a:srgbClr val="000000"/>
-              </a:solidFill>
-              <a:latin typeface="Arial"/>
-              <a:ea typeface="Arial"/>
-              <a:cs typeface="Arial"/>
-              <a:sym typeface="Arial"/>
-            </a:endParaRPr>
-          </a:p>
-          <a:p>
-            <a:pPr marL="609585" indent="0">
-              <a:spcBef>
-                <a:spcPts val="225"/>
-              </a:spcBef>
-              <a:spcAft>
-                <a:spcPts val="0"/>
-              </a:spcAft>
-              <a:buNone/>
-            </a:pPr>
-            <a:endParaRPr dirty="0">
-              <a:solidFill>
-                <a:srgbClr val="000000"/>
-              </a:solidFill>
-              <a:latin typeface="Arial"/>
-              <a:ea typeface="Arial"/>
-              <a:cs typeface="Arial"/>
-              <a:sym typeface="Arial"/>
             </a:endParaRPr>
           </a:p>
         </p:txBody>
@@ -12172,7 +12362,336 @@
           </a:p>
         </p:txBody>
       </p:sp>
+      <p:sp>
+        <p:nvSpPr>
+          <p:cNvPr id="8" name="Google Shape;236;p37">
+            <a:extLst>
+              <a:ext uri="{FF2B5EF4-FFF2-40B4-BE49-F238E27FC236}">
+                <a16:creationId xmlns:a16="http://schemas.microsoft.com/office/drawing/2014/main" id="{1E5B0BB2-D5A6-4DB2-A475-505160B1AD19}"/>
+              </a:ext>
+            </a:extLst>
+          </p:cNvPr>
+          <p:cNvSpPr txBox="1">
+            <a:spLocks/>
+          </p:cNvSpPr>
+          <p:nvPr/>
+        </p:nvSpPr>
+        <p:spPr bwMode="auto">
+          <a:xfrm>
+            <a:off x="81631" y="3420737"/>
+            <a:ext cx="6682726" cy="3819850"/>
+          </a:xfrm>
+          <a:prstGeom prst="rect">
+            <a:avLst/>
+          </a:prstGeom>
+          <a:noFill/>
+          <a:ln>
+            <a:noFill/>
+          </a:ln>
+          <a:extLst>
+            <a:ext uri="{909E8E84-426E-40DD-AFC4-6F175D3DCCD1}">
+              <a14:hiddenFill xmlns:a14="http://schemas.microsoft.com/office/drawing/2010/main">
+                <a:solidFill>
+                  <a:srgbClr val="FFFFFF"/>
+                </a:solidFill>
+              </a14:hiddenFill>
+            </a:ext>
+            <a:ext uri="{91240B29-F687-4F45-9708-019B960494DF}">
+              <a14:hiddenLine xmlns:a14="http://schemas.microsoft.com/office/drawing/2010/main" w="9525">
+                <a:solidFill>
+                  <a:srgbClr val="000000"/>
+                </a:solidFill>
+                <a:miter lim="800000"/>
+                <a:headEnd/>
+                <a:tailEnd/>
+              </a14:hiddenLine>
+            </a:ext>
+          </a:extLst>
+        </p:spPr>
+        <p:txBody>
+          <a:bodyPr spcFirstLastPara="1" vert="horz" wrap="square" lIns="121900" tIns="60933" rIns="121900" bIns="60933" numCol="1" anchor="t" anchorCtr="0" compatLnSpc="1">
+            <a:prstTxWarp prst="textNoShape">
+              <a:avLst/>
+            </a:prstTxWarp>
+            <a:noAutofit/>
+          </a:bodyPr>
+          <a:lstStyle>
+            <a:lvl1pPr marL="205383" indent="-143768" algn="l" rtl="0" eaLnBrk="1" fontAlgn="base" hangingPunct="1">
+              <a:spcBef>
+                <a:spcPts val="169"/>
+              </a:spcBef>
+              <a:spcAft>
+                <a:spcPct val="0"/>
+              </a:spcAft>
+              <a:buClr>
+                <a:srgbClr val="A04DA3"/>
+              </a:buClr>
+              <a:buFont typeface="Georgia" pitchFamily="18" charset="0"/>
+              <a:buChar char="•"/>
+              <a:defRPr sz="2000" kern="1200">
+                <a:solidFill>
+                  <a:schemeClr val="tx1"/>
+                </a:solidFill>
+                <a:latin typeface="+mj-lt"/>
+                <a:ea typeface="+mn-ea"/>
+                <a:cs typeface="+mn-cs"/>
+              </a:defRPr>
+            </a:lvl1pPr>
+            <a:lvl2pPr marL="369689" indent="-138410" algn="l" rtl="0" eaLnBrk="1" fontAlgn="base" hangingPunct="1">
+              <a:spcBef>
+                <a:spcPts val="169"/>
+              </a:spcBef>
+              <a:spcAft>
+                <a:spcPct val="0"/>
+              </a:spcAft>
+              <a:buClr>
+                <a:schemeClr val="accent2"/>
+              </a:buClr>
+              <a:buFont typeface="Georgia" pitchFamily="18" charset="0"/>
+              <a:buChar char="▫"/>
+              <a:defRPr sz="1800" kern="1200">
+                <a:solidFill>
+                  <a:srgbClr val="002060"/>
+                </a:solidFill>
+                <a:latin typeface="+mj-lt"/>
+                <a:ea typeface="+mn-ea"/>
+                <a:cs typeface="+mn-cs"/>
+              </a:defRPr>
+            </a:lvl2pPr>
+            <a:lvl3pPr marL="518816" indent="-123230" algn="l" rtl="0" eaLnBrk="1" fontAlgn="base" hangingPunct="1">
+              <a:spcBef>
+                <a:spcPts val="169"/>
+              </a:spcBef>
+              <a:spcAft>
+                <a:spcPct val="0"/>
+              </a:spcAft>
+              <a:buClr>
+                <a:schemeClr val="accent1"/>
+              </a:buClr>
+              <a:buFont typeface="Wingdings 2" pitchFamily="18" charset="2"/>
+              <a:buChar char=""/>
+              <a:defRPr sz="1600" kern="1200">
+                <a:solidFill>
+                  <a:srgbClr val="7030A0"/>
+                </a:solidFill>
+                <a:latin typeface="+mj-lt"/>
+                <a:ea typeface="+mn-ea"/>
+                <a:cs typeface="+mn-cs"/>
+              </a:defRPr>
+            </a:lvl3pPr>
+            <a:lvl4pPr marL="663476" indent="-112514" algn="l" rtl="0" eaLnBrk="1" fontAlgn="base" hangingPunct="1">
+              <a:spcBef>
+                <a:spcPts val="169"/>
+              </a:spcBef>
+              <a:spcAft>
+                <a:spcPct val="0"/>
+              </a:spcAft>
+              <a:buClr>
+                <a:schemeClr val="accent1"/>
+              </a:buClr>
+              <a:buFont typeface="Wingdings 2" pitchFamily="18" charset="2"/>
+              <a:buChar char=""/>
+              <a:defRPr sz="1400" kern="1200">
+                <a:solidFill>
+                  <a:schemeClr val="accent1"/>
+                </a:solidFill>
+                <a:latin typeface="+mj-lt"/>
+                <a:ea typeface="+mn-ea"/>
+                <a:cs typeface="+mn-cs"/>
+              </a:defRPr>
+            </a:lvl4pPr>
+            <a:lvl5pPr marL="781348" indent="-102692" algn="l" rtl="0" eaLnBrk="1" fontAlgn="base" hangingPunct="1">
+              <a:spcBef>
+                <a:spcPts val="169"/>
+              </a:spcBef>
+              <a:spcAft>
+                <a:spcPct val="0"/>
+              </a:spcAft>
+              <a:buClr>
+                <a:srgbClr val="A04DA3"/>
+              </a:buClr>
+              <a:buFont typeface="Georgia" pitchFamily="18" charset="0"/>
+              <a:buChar char="▫"/>
+              <a:defRPr sz="1200" kern="1200">
+                <a:solidFill>
+                  <a:srgbClr val="A04DA3"/>
+                </a:solidFill>
+                <a:latin typeface="+mj-lt"/>
+                <a:ea typeface="+mn-ea"/>
+                <a:cs typeface="+mn-cs"/>
+              </a:defRPr>
+            </a:lvl5pPr>
+            <a:lvl6pPr marL="905256" indent="-102870" algn="l" rtl="0" eaLnBrk="1" latinLnBrk="0" hangingPunct="1">
+              <a:spcBef>
+                <a:spcPts val="169"/>
+              </a:spcBef>
+              <a:buClr>
+                <a:schemeClr val="accent3"/>
+              </a:buClr>
+              <a:buFont typeface="Georgia"/>
+              <a:buChar char="▫"/>
+              <a:defRPr kumimoji="0" sz="1013" kern="1200">
+                <a:solidFill>
+                  <a:schemeClr val="accent3"/>
+                </a:solidFill>
+                <a:latin typeface="+mn-lt"/>
+                <a:ea typeface="+mn-ea"/>
+                <a:cs typeface="+mn-cs"/>
+              </a:defRPr>
+            </a:lvl6pPr>
+            <a:lvl7pPr marL="1028700" indent="-102870" algn="l" rtl="0" eaLnBrk="1" latinLnBrk="0" hangingPunct="1">
+              <a:spcBef>
+                <a:spcPts val="169"/>
+              </a:spcBef>
+              <a:buClr>
+                <a:schemeClr val="accent3"/>
+              </a:buClr>
+              <a:buFont typeface="Georgia"/>
+              <a:buChar char="▫"/>
+              <a:defRPr kumimoji="0" sz="900" kern="1200">
+                <a:solidFill>
+                  <a:schemeClr val="accent3"/>
+                </a:solidFill>
+                <a:latin typeface="+mn-lt"/>
+                <a:ea typeface="+mn-ea"/>
+                <a:cs typeface="+mn-cs"/>
+              </a:defRPr>
+            </a:lvl7pPr>
+            <a:lvl8pPr marL="1141857" indent="-102870" algn="l" rtl="0" eaLnBrk="1" latinLnBrk="0" hangingPunct="1">
+              <a:spcBef>
+                <a:spcPts val="169"/>
+              </a:spcBef>
+              <a:buClr>
+                <a:schemeClr val="accent3"/>
+              </a:buClr>
+              <a:buFont typeface="Georgia"/>
+              <a:buChar char="◦"/>
+              <a:defRPr kumimoji="0" sz="844" kern="1200">
+                <a:solidFill>
+                  <a:schemeClr val="accent3"/>
+                </a:solidFill>
+                <a:latin typeface="+mn-lt"/>
+                <a:ea typeface="+mn-ea"/>
+                <a:cs typeface="+mn-cs"/>
+              </a:defRPr>
+            </a:lvl8pPr>
+            <a:lvl9pPr marL="1260158" indent="-102870" algn="l" rtl="0" eaLnBrk="1" latinLnBrk="0" hangingPunct="1">
+              <a:spcBef>
+                <a:spcPts val="169"/>
+              </a:spcBef>
+              <a:buClr>
+                <a:schemeClr val="accent3"/>
+              </a:buClr>
+              <a:buFont typeface="Georgia"/>
+              <a:buChar char="◦"/>
+              <a:defRPr kumimoji="0" sz="788" kern="1200" baseline="0">
+                <a:solidFill>
+                  <a:schemeClr val="accent3"/>
+                </a:solidFill>
+                <a:latin typeface="+mn-lt"/>
+                <a:ea typeface="+mn-ea"/>
+                <a:cs typeface="+mn-cs"/>
+              </a:defRPr>
+            </a:lvl9pPr>
+          </a:lstStyle>
+          <a:p>
+            <a:pPr marL="952485" indent="-342900">
+              <a:spcBef>
+                <a:spcPts val="400"/>
+              </a:spcBef>
+              <a:spcAft>
+                <a:spcPts val="400"/>
+              </a:spcAft>
+              <a:buClrTx/>
+              <a:buSzPct val="80000"/>
+            </a:pPr>
+            <a:r>
+              <a:rPr lang="en-US" altLang="zh-TW" dirty="0">
+                <a:solidFill>
+                  <a:srgbClr val="000000"/>
+                </a:solidFill>
+                <a:latin typeface="標楷體" panose="03000509000000000000" pitchFamily="65" charset="-120"/>
+                <a:ea typeface="標楷體" panose="03000509000000000000" pitchFamily="65" charset="-120"/>
+                <a:cs typeface="Arial"/>
+                <a:sym typeface="Arial"/>
+              </a:rPr>
+              <a:t>Kuttimani Tamilmani</a:t>
+            </a:r>
+            <a:r>
+              <a:rPr lang="zh-TW" altLang="en-US" dirty="0">
+                <a:solidFill>
+                  <a:srgbClr val="000000"/>
+                </a:solidFill>
+                <a:latin typeface="標楷體" panose="03000509000000000000" pitchFamily="65" charset="-120"/>
+                <a:ea typeface="標楷體" panose="03000509000000000000" pitchFamily="65" charset="-120"/>
+                <a:cs typeface="Arial"/>
+                <a:sym typeface="Arial"/>
+              </a:rPr>
+              <a:t>等人發現計算機自我效能、計算機遊戲性對電子學習系統的感知易用性有顯著影響</a:t>
+            </a:r>
+            <a:endParaRPr lang="en-US" altLang="zh-TW" dirty="0">
+              <a:solidFill>
+                <a:srgbClr val="000000"/>
+              </a:solidFill>
+              <a:latin typeface="標楷體" panose="03000509000000000000" pitchFamily="65" charset="-120"/>
+              <a:ea typeface="標楷體" panose="03000509000000000000" pitchFamily="65" charset="-120"/>
+              <a:cs typeface="Arial"/>
+              <a:sym typeface="Arial"/>
+            </a:endParaRPr>
+          </a:p>
+          <a:p>
+            <a:pPr marL="952485" indent="-342900">
+              <a:spcBef>
+                <a:spcPts val="400"/>
+              </a:spcBef>
+              <a:spcAft>
+                <a:spcPts val="400"/>
+              </a:spcAft>
+              <a:buClrTx/>
+              <a:buSzPct val="80000"/>
+            </a:pPr>
+            <a:r>
+              <a:rPr lang="en-US" altLang="zh-TW" dirty="0">
+                <a:solidFill>
+                  <a:srgbClr val="000000"/>
+                </a:solidFill>
+                <a:latin typeface="標楷體" panose="03000509000000000000" pitchFamily="65" charset="-120"/>
+                <a:ea typeface="標楷體" panose="03000509000000000000" pitchFamily="65" charset="-120"/>
+                <a:cs typeface="Arial"/>
+                <a:sym typeface="Arial"/>
+              </a:rPr>
+              <a:t>Goncalo Baptista</a:t>
+            </a:r>
+            <a:r>
+              <a:rPr lang="zh-TW" altLang="en-US" dirty="0">
+                <a:solidFill>
+                  <a:srgbClr val="000000"/>
+                </a:solidFill>
+                <a:latin typeface="標楷體" panose="03000509000000000000" pitchFamily="65" charset="-120"/>
+                <a:ea typeface="標楷體" panose="03000509000000000000" pitchFamily="65" charset="-120"/>
+                <a:cs typeface="Arial"/>
+                <a:sym typeface="Arial"/>
+              </a:rPr>
+              <a:t>研究了遊戲化對對行動銀行服務的影響，研究結果顯示遊戲化與使用手機銀行服務的意向之間存在直接和強烈的關係</a:t>
+            </a:r>
+            <a:endParaRPr lang="en-US" altLang="zh-TW" dirty="0">
+              <a:solidFill>
+                <a:srgbClr val="000000"/>
+              </a:solidFill>
+              <a:latin typeface="標楷體" panose="03000509000000000000" pitchFamily="65" charset="-120"/>
+              <a:ea typeface="標楷體" panose="03000509000000000000" pitchFamily="65" charset="-120"/>
+              <a:cs typeface="Arial"/>
+              <a:sym typeface="Arial"/>
+            </a:endParaRPr>
+          </a:p>
+        </p:txBody>
+      </p:sp>
     </p:spTree>
+    <p:extLst>
+      <p:ext uri="{BB962C8B-B14F-4D97-AF65-F5344CB8AC3E}">
+        <p14:creationId xmlns:p14="http://schemas.microsoft.com/office/powerpoint/2010/main" val="509950629"/>
+      </p:ext>
+    </p:extLst>
   </p:cSld>
   <p:clrMapOvr>
     <a:masterClrMapping/>
@@ -15580,6 +16099,36 @@
           </a:p>
         </p:txBody>
       </p:sp>
+      <p:pic>
+        <p:nvPicPr>
+          <p:cNvPr id="4" name="圖片 3">
+            <a:extLst>
+              <a:ext uri="{FF2B5EF4-FFF2-40B4-BE49-F238E27FC236}">
+                <a16:creationId xmlns:a16="http://schemas.microsoft.com/office/drawing/2014/main" id="{75E0FAA1-62CD-4A73-AC02-0EBE254B4EEE}"/>
+              </a:ext>
+            </a:extLst>
+          </p:cNvPr>
+          <p:cNvPicPr>
+            <a:picLocks noChangeAspect="1"/>
+          </p:cNvPicPr>
+          <p:nvPr/>
+        </p:nvPicPr>
+        <p:blipFill>
+          <a:blip r:embed="rId3"/>
+          <a:stretch>
+            <a:fillRect/>
+          </a:stretch>
+        </p:blipFill>
+        <p:spPr>
+          <a:xfrm>
+            <a:off x="517792" y="2055531"/>
+            <a:ext cx="9661793" cy="4181756"/>
+          </a:xfrm>
+          <a:prstGeom prst="rect">
+            <a:avLst/>
+          </a:prstGeom>
+        </p:spPr>
+      </p:pic>
     </p:spTree>
   </p:cSld>
   <p:clrMapOvr>
@@ -26475,14 +27024,13 @@
               </a:ext>
             </a:extLst>
           </a:blip>
-          <a:stretch>
-            <a:fillRect/>
-          </a:stretch>
+          <a:srcRect/>
+          <a:stretch/>
         </p:blipFill>
         <p:spPr>
           <a:xfrm>
             <a:off x="693261" y="1606585"/>
-            <a:ext cx="8844595" cy="5058809"/>
+            <a:ext cx="8844595" cy="5058808"/>
           </a:xfrm>
           <a:prstGeom prst="rect">
             <a:avLst/>
@@ -26838,6 +27386,1284 @@
     <p:extLst>
       <p:ext uri="{BB962C8B-B14F-4D97-AF65-F5344CB8AC3E}">
         <p14:creationId xmlns:p14="http://schemas.microsoft.com/office/powerpoint/2010/main" val="2419958857"/>
+      </p:ext>
+    </p:extLst>
+  </p:cSld>
+  <p:clrMapOvr>
+    <a:masterClrMapping/>
+  </p:clrMapOvr>
+  <mc:AlternateContent xmlns:mc="http://schemas.openxmlformats.org/markup-compatibility/2006" xmlns:p159="http://schemas.microsoft.com/office/powerpoint/2015/09/main">
+    <mc:Choice Requires="p159">
+      <p:transition xmlns:p14="http://schemas.microsoft.com/office/powerpoint/2010/main" spd="slow" p14:dur="2000">
+        <p159:morph option="byObject"/>
+      </p:transition>
+    </mc:Choice>
+    <mc:Fallback xmlns="">
+      <p:transition spd="slow">
+        <p:fade/>
+      </p:transition>
+    </mc:Fallback>
+  </mc:AlternateContent>
+</p:sld>
+</file>
+
+<file path=ppt/slides/slide28.xml><?xml version="1.0" encoding="utf-8"?>
+<p:sld xmlns:a="http://schemas.openxmlformats.org/drawingml/2006/main" xmlns:r="http://schemas.openxmlformats.org/officeDocument/2006/relationships" xmlns:p="http://schemas.openxmlformats.org/presentationml/2006/main">
+  <p:cSld>
+    <p:spTree>
+      <p:nvGrpSpPr>
+        <p:cNvPr id="1" name="Shape 357"/>
+        <p:cNvGrpSpPr/>
+        <p:nvPr/>
+      </p:nvGrpSpPr>
+      <p:grpSpPr>
+        <a:xfrm>
+          <a:off x="0" y="0"/>
+          <a:ext cx="0" cy="0"/>
+          <a:chOff x="0" y="0"/>
+          <a:chExt cx="0" cy="0"/>
+        </a:xfrm>
+      </p:grpSpPr>
+      <p:sp>
+        <p:nvSpPr>
+          <p:cNvPr id="6" name="Google Shape;437;p54">
+            <a:extLst>
+              <a:ext uri="{FF2B5EF4-FFF2-40B4-BE49-F238E27FC236}">
+                <a16:creationId xmlns:a16="http://schemas.microsoft.com/office/drawing/2014/main" id="{B3C7F2D1-D863-4B89-8064-1B038AB4578F}"/>
+              </a:ext>
+            </a:extLst>
+          </p:cNvPr>
+          <p:cNvSpPr txBox="1">
+            <a:spLocks/>
+          </p:cNvSpPr>
+          <p:nvPr/>
+        </p:nvSpPr>
+        <p:spPr>
+          <a:xfrm>
+            <a:off x="-1" y="620713"/>
+            <a:ext cx="10414001" cy="1066800"/>
+          </a:xfrm>
+          <a:prstGeom prst="rect">
+            <a:avLst/>
+          </a:prstGeom>
+          <a:noFill/>
+          <a:ln>
+            <a:noFill/>
+          </a:ln>
+        </p:spPr>
+        <p:txBody>
+          <a:bodyPr spcFirstLastPara="1" wrap="square" lIns="121900" tIns="60933" rIns="121900" bIns="60933" anchor="ctr" anchorCtr="0">
+            <a:noAutofit/>
+          </a:bodyPr>
+          <a:lstStyle>
+            <a:defPPr marR="0" lvl="0" algn="l" rtl="0">
+              <a:lnSpc>
+                <a:spcPct val="100000"/>
+              </a:lnSpc>
+              <a:spcBef>
+                <a:spcPts val="0"/>
+              </a:spcBef>
+              <a:spcAft>
+                <a:spcPts val="0"/>
+              </a:spcAft>
+            </a:defPPr>
+            <a:lvl1pPr marR="0" lvl="0" algn="l" rtl="0">
+              <a:lnSpc>
+                <a:spcPct val="100000"/>
+              </a:lnSpc>
+              <a:spcBef>
+                <a:spcPts val="0"/>
+              </a:spcBef>
+              <a:spcAft>
+                <a:spcPts val="0"/>
+              </a:spcAft>
+              <a:buClr>
+                <a:srgbClr val="000000"/>
+              </a:buClr>
+              <a:buSzPts val="1400"/>
+              <a:buFont typeface="Arial"/>
+              <a:buNone/>
+              <a:defRPr sz="2400" b="0" i="0" u="none" strike="noStrike" cap="none">
+                <a:solidFill>
+                  <a:schemeClr val="dk2"/>
+                </a:solidFill>
+                <a:latin typeface="Times New Roman"/>
+                <a:ea typeface="Times New Roman"/>
+                <a:cs typeface="Times New Roman"/>
+                <a:sym typeface="Times New Roman"/>
+              </a:defRPr>
+            </a:lvl1pPr>
+            <a:lvl2pPr marR="0" lvl="1" algn="l" rtl="0">
+              <a:lnSpc>
+                <a:spcPct val="100000"/>
+              </a:lnSpc>
+              <a:spcBef>
+                <a:spcPts val="0"/>
+              </a:spcBef>
+              <a:spcAft>
+                <a:spcPts val="0"/>
+              </a:spcAft>
+              <a:buClr>
+                <a:srgbClr val="000000"/>
+              </a:buClr>
+              <a:buSzPts val="1400"/>
+              <a:buFont typeface="Arial"/>
+              <a:buNone/>
+              <a:defRPr sz="2250" b="0" i="0" u="none" strike="noStrike" cap="none">
+                <a:solidFill>
+                  <a:schemeClr val="dk2"/>
+                </a:solidFill>
+                <a:latin typeface="Calibri"/>
+                <a:ea typeface="Calibri"/>
+                <a:cs typeface="Calibri"/>
+                <a:sym typeface="Calibri"/>
+              </a:defRPr>
+            </a:lvl2pPr>
+            <a:lvl3pPr marR="0" lvl="2" algn="l" rtl="0">
+              <a:lnSpc>
+                <a:spcPct val="100000"/>
+              </a:lnSpc>
+              <a:spcBef>
+                <a:spcPts val="0"/>
+              </a:spcBef>
+              <a:spcAft>
+                <a:spcPts val="0"/>
+              </a:spcAft>
+              <a:buClr>
+                <a:srgbClr val="000000"/>
+              </a:buClr>
+              <a:buSzPts val="1400"/>
+              <a:buFont typeface="Arial"/>
+              <a:buNone/>
+              <a:defRPr sz="2250" b="0" i="0" u="none" strike="noStrike" cap="none">
+                <a:solidFill>
+                  <a:schemeClr val="dk2"/>
+                </a:solidFill>
+                <a:latin typeface="Calibri"/>
+                <a:ea typeface="Calibri"/>
+                <a:cs typeface="Calibri"/>
+                <a:sym typeface="Calibri"/>
+              </a:defRPr>
+            </a:lvl3pPr>
+            <a:lvl4pPr marR="0" lvl="3" algn="l" rtl="0">
+              <a:lnSpc>
+                <a:spcPct val="100000"/>
+              </a:lnSpc>
+              <a:spcBef>
+                <a:spcPts val="0"/>
+              </a:spcBef>
+              <a:spcAft>
+                <a:spcPts val="0"/>
+              </a:spcAft>
+              <a:buClr>
+                <a:srgbClr val="000000"/>
+              </a:buClr>
+              <a:buSzPts val="1400"/>
+              <a:buFont typeface="Arial"/>
+              <a:buNone/>
+              <a:defRPr sz="2250" b="0" i="0" u="none" strike="noStrike" cap="none">
+                <a:solidFill>
+                  <a:schemeClr val="dk2"/>
+                </a:solidFill>
+                <a:latin typeface="Calibri"/>
+                <a:ea typeface="Calibri"/>
+                <a:cs typeface="Calibri"/>
+                <a:sym typeface="Calibri"/>
+              </a:defRPr>
+            </a:lvl4pPr>
+            <a:lvl5pPr marR="0" lvl="4" algn="l" rtl="0">
+              <a:lnSpc>
+                <a:spcPct val="100000"/>
+              </a:lnSpc>
+              <a:spcBef>
+                <a:spcPts val="0"/>
+              </a:spcBef>
+              <a:spcAft>
+                <a:spcPts val="0"/>
+              </a:spcAft>
+              <a:buClr>
+                <a:srgbClr val="000000"/>
+              </a:buClr>
+              <a:buSzPts val="1400"/>
+              <a:buFont typeface="Arial"/>
+              <a:buNone/>
+              <a:defRPr sz="2250" b="0" i="0" u="none" strike="noStrike" cap="none">
+                <a:solidFill>
+                  <a:schemeClr val="dk2"/>
+                </a:solidFill>
+                <a:latin typeface="Calibri"/>
+                <a:ea typeface="Calibri"/>
+                <a:cs typeface="Calibri"/>
+                <a:sym typeface="Calibri"/>
+              </a:defRPr>
+            </a:lvl5pPr>
+            <a:lvl6pPr marR="0" lvl="5" algn="l" rtl="0">
+              <a:lnSpc>
+                <a:spcPct val="100000"/>
+              </a:lnSpc>
+              <a:spcBef>
+                <a:spcPts val="0"/>
+              </a:spcBef>
+              <a:spcAft>
+                <a:spcPts val="0"/>
+              </a:spcAft>
+              <a:buClr>
+                <a:srgbClr val="000000"/>
+              </a:buClr>
+              <a:buSzPts val="1400"/>
+              <a:buFont typeface="Arial"/>
+              <a:buNone/>
+              <a:defRPr sz="2250" b="0" i="0" u="none" strike="noStrike" cap="none">
+                <a:solidFill>
+                  <a:schemeClr val="dk2"/>
+                </a:solidFill>
+                <a:latin typeface="Trebuchet MS"/>
+                <a:ea typeface="Trebuchet MS"/>
+                <a:cs typeface="Trebuchet MS"/>
+                <a:sym typeface="Trebuchet MS"/>
+              </a:defRPr>
+            </a:lvl6pPr>
+            <a:lvl7pPr marR="0" lvl="6" algn="l" rtl="0">
+              <a:lnSpc>
+                <a:spcPct val="100000"/>
+              </a:lnSpc>
+              <a:spcBef>
+                <a:spcPts val="0"/>
+              </a:spcBef>
+              <a:spcAft>
+                <a:spcPts val="0"/>
+              </a:spcAft>
+              <a:buClr>
+                <a:srgbClr val="000000"/>
+              </a:buClr>
+              <a:buSzPts val="1400"/>
+              <a:buFont typeface="Arial"/>
+              <a:buNone/>
+              <a:defRPr sz="2250" b="0" i="0" u="none" strike="noStrike" cap="none">
+                <a:solidFill>
+                  <a:schemeClr val="dk2"/>
+                </a:solidFill>
+                <a:latin typeface="Trebuchet MS"/>
+                <a:ea typeface="Trebuchet MS"/>
+                <a:cs typeface="Trebuchet MS"/>
+                <a:sym typeface="Trebuchet MS"/>
+              </a:defRPr>
+            </a:lvl7pPr>
+            <a:lvl8pPr marR="0" lvl="7" algn="l" rtl="0">
+              <a:lnSpc>
+                <a:spcPct val="100000"/>
+              </a:lnSpc>
+              <a:spcBef>
+                <a:spcPts val="0"/>
+              </a:spcBef>
+              <a:spcAft>
+                <a:spcPts val="0"/>
+              </a:spcAft>
+              <a:buClr>
+                <a:srgbClr val="000000"/>
+              </a:buClr>
+              <a:buSzPts val="1400"/>
+              <a:buFont typeface="Arial"/>
+              <a:buNone/>
+              <a:defRPr sz="2250" b="0" i="0" u="none" strike="noStrike" cap="none">
+                <a:solidFill>
+                  <a:schemeClr val="dk2"/>
+                </a:solidFill>
+                <a:latin typeface="Trebuchet MS"/>
+                <a:ea typeface="Trebuchet MS"/>
+                <a:cs typeface="Trebuchet MS"/>
+                <a:sym typeface="Trebuchet MS"/>
+              </a:defRPr>
+            </a:lvl8pPr>
+            <a:lvl9pPr marR="0" lvl="8" algn="l" rtl="0">
+              <a:lnSpc>
+                <a:spcPct val="100000"/>
+              </a:lnSpc>
+              <a:spcBef>
+                <a:spcPts val="0"/>
+              </a:spcBef>
+              <a:spcAft>
+                <a:spcPts val="0"/>
+              </a:spcAft>
+              <a:buClr>
+                <a:srgbClr val="000000"/>
+              </a:buClr>
+              <a:buSzPts val="1400"/>
+              <a:buFont typeface="Arial"/>
+              <a:buNone/>
+              <a:defRPr sz="2250" b="0" i="0" u="none" strike="noStrike" cap="none">
+                <a:solidFill>
+                  <a:schemeClr val="dk2"/>
+                </a:solidFill>
+                <a:latin typeface="Trebuchet MS"/>
+                <a:ea typeface="Trebuchet MS"/>
+                <a:cs typeface="Trebuchet MS"/>
+                <a:sym typeface="Trebuchet MS"/>
+              </a:defRPr>
+            </a:lvl9pPr>
+          </a:lstStyle>
+          <a:p>
+            <a:pPr indent="609585"/>
+            <a:r>
+              <a:rPr lang="zh-TW" altLang="en-US" sz="3200" dirty="0">
+                <a:latin typeface="DFKai-SB"/>
+                <a:ea typeface="DFKai-SB"/>
+                <a:cs typeface="DFKai-SB"/>
+                <a:sym typeface="DFKai-SB"/>
+              </a:rPr>
+              <a:t>實驗與結果分析</a:t>
+            </a:r>
+            <a:r>
+              <a:rPr lang="en-US" altLang="zh-TW" sz="3200" dirty="0">
+                <a:latin typeface="DFKai-SB"/>
+                <a:ea typeface="DFKai-SB"/>
+                <a:cs typeface="DFKai-SB"/>
+                <a:sym typeface="DFKai-SB"/>
+              </a:rPr>
+              <a:t>–</a:t>
+            </a:r>
+            <a:r>
+              <a:rPr lang="zh-TW" altLang="en-US" sz="3200" dirty="0">
+                <a:latin typeface="DFKai-SB"/>
+                <a:ea typeface="DFKai-SB"/>
+                <a:cs typeface="DFKai-SB"/>
+                <a:sym typeface="DFKai-SB"/>
+              </a:rPr>
+              <a:t>研究假設</a:t>
+            </a:r>
+            <a:endParaRPr lang="en-US" sz="3200" dirty="0">
+              <a:latin typeface="DFKai-SB"/>
+              <a:ea typeface="DFKai-SB"/>
+              <a:sym typeface="DFKai-SB"/>
+            </a:endParaRPr>
+          </a:p>
+        </p:txBody>
+      </p:sp>
+      <p:sp>
+        <p:nvSpPr>
+          <p:cNvPr id="3" name="投影片編號版面配置區 2">
+            <a:extLst>
+              <a:ext uri="{FF2B5EF4-FFF2-40B4-BE49-F238E27FC236}">
+                <a16:creationId xmlns:a16="http://schemas.microsoft.com/office/drawing/2014/main" id="{F344577B-1CF7-427C-82E3-9A360F852ED9}"/>
+              </a:ext>
+            </a:extLst>
+          </p:cNvPr>
+          <p:cNvSpPr>
+            <a:spLocks noGrp="1"/>
+          </p:cNvSpPr>
+          <p:nvPr>
+            <p:ph type="sldNum" idx="12"/>
+          </p:nvPr>
+        </p:nvSpPr>
+        <p:spPr/>
+        <p:txBody>
+          <a:bodyPr/>
+          <a:lstStyle/>
+          <a:p>
+            <a:fld id="{00000000-1234-1234-1234-123412341234}" type="slidenum">
+              <a:rPr lang="en-US" altLang="zh-TW" smtClean="0"/>
+              <a:pPr/>
+              <a:t>28</a:t>
+            </a:fld>
+            <a:endParaRPr lang="zh-TW" altLang="en-US"/>
+          </a:p>
+        </p:txBody>
+      </p:sp>
+      <p:sp>
+        <p:nvSpPr>
+          <p:cNvPr id="10" name="Google Shape;344;p48">
+            <a:extLst>
+              <a:ext uri="{FF2B5EF4-FFF2-40B4-BE49-F238E27FC236}">
+                <a16:creationId xmlns:a16="http://schemas.microsoft.com/office/drawing/2014/main" id="{B83A3734-4A40-4814-8274-D82A9F6738BC}"/>
+              </a:ext>
+            </a:extLst>
+          </p:cNvPr>
+          <p:cNvSpPr txBox="1">
+            <a:spLocks/>
+          </p:cNvSpPr>
+          <p:nvPr/>
+        </p:nvSpPr>
+        <p:spPr bwMode="auto">
+          <a:xfrm>
+            <a:off x="624417" y="1773239"/>
+            <a:ext cx="10972800" cy="4827600"/>
+          </a:xfrm>
+          <a:prstGeom prst="rect">
+            <a:avLst/>
+          </a:prstGeom>
+          <a:noFill/>
+          <a:ln>
+            <a:noFill/>
+          </a:ln>
+          <a:extLst>
+            <a:ext uri="{909E8E84-426E-40DD-AFC4-6F175D3DCCD1}">
+              <a14:hiddenFill xmlns:a14="http://schemas.microsoft.com/office/drawing/2010/main">
+                <a:solidFill>
+                  <a:srgbClr val="FFFFFF"/>
+                </a:solidFill>
+              </a14:hiddenFill>
+            </a:ext>
+            <a:ext uri="{91240B29-F687-4F45-9708-019B960494DF}">
+              <a14:hiddenLine xmlns:a14="http://schemas.microsoft.com/office/drawing/2010/main" w="9525">
+                <a:solidFill>
+                  <a:srgbClr val="000000"/>
+                </a:solidFill>
+                <a:miter lim="800000"/>
+                <a:headEnd/>
+                <a:tailEnd/>
+              </a14:hiddenLine>
+            </a:ext>
+          </a:extLst>
+        </p:spPr>
+        <p:txBody>
+          <a:bodyPr spcFirstLastPara="1" vert="horz" wrap="square" lIns="121900" tIns="60933" rIns="121900" bIns="60933" numCol="1" anchor="t" anchorCtr="0" compatLnSpc="1">
+            <a:prstTxWarp prst="textNoShape">
+              <a:avLst/>
+            </a:prstTxWarp>
+            <a:noAutofit/>
+          </a:bodyPr>
+          <a:lstStyle>
+            <a:lvl1pPr marL="205383" indent="-143768" algn="l" rtl="0" eaLnBrk="1" fontAlgn="base" hangingPunct="1">
+              <a:spcBef>
+                <a:spcPts val="169"/>
+              </a:spcBef>
+              <a:spcAft>
+                <a:spcPct val="0"/>
+              </a:spcAft>
+              <a:buClr>
+                <a:srgbClr val="A04DA3"/>
+              </a:buClr>
+              <a:buFont typeface="Georgia" pitchFamily="18" charset="0"/>
+              <a:buChar char="•"/>
+              <a:defRPr sz="2000" kern="1200">
+                <a:solidFill>
+                  <a:schemeClr val="tx1"/>
+                </a:solidFill>
+                <a:latin typeface="+mj-lt"/>
+                <a:ea typeface="+mn-ea"/>
+                <a:cs typeface="+mn-cs"/>
+              </a:defRPr>
+            </a:lvl1pPr>
+            <a:lvl2pPr marL="369689" indent="-138410" algn="l" rtl="0" eaLnBrk="1" fontAlgn="base" hangingPunct="1">
+              <a:spcBef>
+                <a:spcPts val="169"/>
+              </a:spcBef>
+              <a:spcAft>
+                <a:spcPct val="0"/>
+              </a:spcAft>
+              <a:buClr>
+                <a:schemeClr val="accent2"/>
+              </a:buClr>
+              <a:buFont typeface="Georgia" pitchFamily="18" charset="0"/>
+              <a:buChar char="▫"/>
+              <a:defRPr sz="1800" kern="1200">
+                <a:solidFill>
+                  <a:srgbClr val="002060"/>
+                </a:solidFill>
+                <a:latin typeface="+mj-lt"/>
+                <a:ea typeface="+mn-ea"/>
+                <a:cs typeface="+mn-cs"/>
+              </a:defRPr>
+            </a:lvl2pPr>
+            <a:lvl3pPr marL="518816" indent="-123230" algn="l" rtl="0" eaLnBrk="1" fontAlgn="base" hangingPunct="1">
+              <a:spcBef>
+                <a:spcPts val="169"/>
+              </a:spcBef>
+              <a:spcAft>
+                <a:spcPct val="0"/>
+              </a:spcAft>
+              <a:buClr>
+                <a:schemeClr val="accent1"/>
+              </a:buClr>
+              <a:buFont typeface="Wingdings 2" pitchFamily="18" charset="2"/>
+              <a:buChar char=""/>
+              <a:defRPr sz="1600" kern="1200">
+                <a:solidFill>
+                  <a:srgbClr val="7030A0"/>
+                </a:solidFill>
+                <a:latin typeface="+mj-lt"/>
+                <a:ea typeface="+mn-ea"/>
+                <a:cs typeface="+mn-cs"/>
+              </a:defRPr>
+            </a:lvl3pPr>
+            <a:lvl4pPr marL="663476" indent="-112514" algn="l" rtl="0" eaLnBrk="1" fontAlgn="base" hangingPunct="1">
+              <a:spcBef>
+                <a:spcPts val="169"/>
+              </a:spcBef>
+              <a:spcAft>
+                <a:spcPct val="0"/>
+              </a:spcAft>
+              <a:buClr>
+                <a:schemeClr val="accent1"/>
+              </a:buClr>
+              <a:buFont typeface="Wingdings 2" pitchFamily="18" charset="2"/>
+              <a:buChar char=""/>
+              <a:defRPr sz="1400" kern="1200">
+                <a:solidFill>
+                  <a:schemeClr val="accent1"/>
+                </a:solidFill>
+                <a:latin typeface="+mj-lt"/>
+                <a:ea typeface="+mn-ea"/>
+                <a:cs typeface="+mn-cs"/>
+              </a:defRPr>
+            </a:lvl4pPr>
+            <a:lvl5pPr marL="781348" indent="-102692" algn="l" rtl="0" eaLnBrk="1" fontAlgn="base" hangingPunct="1">
+              <a:spcBef>
+                <a:spcPts val="169"/>
+              </a:spcBef>
+              <a:spcAft>
+                <a:spcPct val="0"/>
+              </a:spcAft>
+              <a:buClr>
+                <a:srgbClr val="A04DA3"/>
+              </a:buClr>
+              <a:buFont typeface="Georgia" pitchFamily="18" charset="0"/>
+              <a:buChar char="▫"/>
+              <a:defRPr sz="1200" kern="1200">
+                <a:solidFill>
+                  <a:srgbClr val="A04DA3"/>
+                </a:solidFill>
+                <a:latin typeface="+mj-lt"/>
+                <a:ea typeface="+mn-ea"/>
+                <a:cs typeface="+mn-cs"/>
+              </a:defRPr>
+            </a:lvl5pPr>
+            <a:lvl6pPr marL="905256" indent="-102870" algn="l" rtl="0" eaLnBrk="1" latinLnBrk="0" hangingPunct="1">
+              <a:spcBef>
+                <a:spcPts val="169"/>
+              </a:spcBef>
+              <a:buClr>
+                <a:schemeClr val="accent3"/>
+              </a:buClr>
+              <a:buFont typeface="Georgia"/>
+              <a:buChar char="▫"/>
+              <a:defRPr kumimoji="0" sz="1013" kern="1200">
+                <a:solidFill>
+                  <a:schemeClr val="accent3"/>
+                </a:solidFill>
+                <a:latin typeface="+mn-lt"/>
+                <a:ea typeface="+mn-ea"/>
+                <a:cs typeface="+mn-cs"/>
+              </a:defRPr>
+            </a:lvl6pPr>
+            <a:lvl7pPr marL="1028700" indent="-102870" algn="l" rtl="0" eaLnBrk="1" latinLnBrk="0" hangingPunct="1">
+              <a:spcBef>
+                <a:spcPts val="169"/>
+              </a:spcBef>
+              <a:buClr>
+                <a:schemeClr val="accent3"/>
+              </a:buClr>
+              <a:buFont typeface="Georgia"/>
+              <a:buChar char="▫"/>
+              <a:defRPr kumimoji="0" sz="900" kern="1200">
+                <a:solidFill>
+                  <a:schemeClr val="accent3"/>
+                </a:solidFill>
+                <a:latin typeface="+mn-lt"/>
+                <a:ea typeface="+mn-ea"/>
+                <a:cs typeface="+mn-cs"/>
+              </a:defRPr>
+            </a:lvl7pPr>
+            <a:lvl8pPr marL="1141857" indent="-102870" algn="l" rtl="0" eaLnBrk="1" latinLnBrk="0" hangingPunct="1">
+              <a:spcBef>
+                <a:spcPts val="169"/>
+              </a:spcBef>
+              <a:buClr>
+                <a:schemeClr val="accent3"/>
+              </a:buClr>
+              <a:buFont typeface="Georgia"/>
+              <a:buChar char="◦"/>
+              <a:defRPr kumimoji="0" sz="844" kern="1200">
+                <a:solidFill>
+                  <a:schemeClr val="accent3"/>
+                </a:solidFill>
+                <a:latin typeface="+mn-lt"/>
+                <a:ea typeface="+mn-ea"/>
+                <a:cs typeface="+mn-cs"/>
+              </a:defRPr>
+            </a:lvl8pPr>
+            <a:lvl9pPr marL="1260158" indent="-102870" algn="l" rtl="0" eaLnBrk="1" latinLnBrk="0" hangingPunct="1">
+              <a:spcBef>
+                <a:spcPts val="169"/>
+              </a:spcBef>
+              <a:buClr>
+                <a:schemeClr val="accent3"/>
+              </a:buClr>
+              <a:buFont typeface="Georgia"/>
+              <a:buChar char="◦"/>
+              <a:defRPr kumimoji="0" sz="788" kern="1200" baseline="0">
+                <a:solidFill>
+                  <a:schemeClr val="accent3"/>
+                </a:solidFill>
+                <a:latin typeface="+mn-lt"/>
+                <a:ea typeface="+mn-ea"/>
+                <a:cs typeface="+mn-cs"/>
+              </a:defRPr>
+            </a:lvl9pPr>
+          </a:lstStyle>
+          <a:p>
+            <a:pPr marL="745048" indent="-609585">
+              <a:spcBef>
+                <a:spcPts val="600"/>
+              </a:spcBef>
+              <a:spcAft>
+                <a:spcPts val="600"/>
+              </a:spcAft>
+              <a:buClr>
+                <a:srgbClr val="000000"/>
+              </a:buClr>
+            </a:pPr>
+            <a:r>
+              <a:rPr lang="en-US" altLang="zh-TW" b="1" dirty="0">
+                <a:solidFill>
+                  <a:srgbClr val="000000"/>
+                </a:solidFill>
+                <a:latin typeface="標楷體" panose="03000509000000000000" pitchFamily="65" charset="-120"/>
+                <a:ea typeface="標楷體" panose="03000509000000000000" pitchFamily="65" charset="-120"/>
+              </a:rPr>
+              <a:t>Hypothesis 1 (H1): </a:t>
+            </a:r>
+            <a:r>
+              <a:rPr lang="zh-TW" altLang="en-US" dirty="0">
+                <a:solidFill>
+                  <a:srgbClr val="000000"/>
+                </a:solidFill>
+                <a:latin typeface="標楷體" panose="03000509000000000000" pitchFamily="65" charset="-120"/>
+                <a:ea typeface="標楷體" panose="03000509000000000000" pitchFamily="65" charset="-120"/>
+              </a:rPr>
+              <a:t>遊戲化系統內的機制會影響學生使用遊戲學習</a:t>
+            </a:r>
+            <a:r>
+              <a:rPr lang="en-US" altLang="zh-TW" dirty="0">
+                <a:solidFill>
+                  <a:srgbClr val="000000"/>
+                </a:solidFill>
+                <a:latin typeface="標楷體" panose="03000509000000000000" pitchFamily="65" charset="-120"/>
+                <a:ea typeface="標楷體" panose="03000509000000000000" pitchFamily="65" charset="-120"/>
+              </a:rPr>
+              <a:t>Git</a:t>
+            </a:r>
+            <a:r>
+              <a:rPr lang="zh-TW" altLang="en-US" dirty="0">
+                <a:solidFill>
+                  <a:srgbClr val="000000"/>
+                </a:solidFill>
+                <a:latin typeface="標楷體" panose="03000509000000000000" pitchFamily="65" charset="-120"/>
+                <a:ea typeface="標楷體" panose="03000509000000000000" pitchFamily="65" charset="-120"/>
+              </a:rPr>
+              <a:t>的績效預期</a:t>
+            </a:r>
+          </a:p>
+          <a:p>
+            <a:pPr marL="745048" indent="-609585">
+              <a:spcBef>
+                <a:spcPts val="600"/>
+              </a:spcBef>
+              <a:spcAft>
+                <a:spcPts val="600"/>
+              </a:spcAft>
+              <a:buClr>
+                <a:srgbClr val="000000"/>
+              </a:buClr>
+            </a:pPr>
+            <a:r>
+              <a:rPr lang="en-US" altLang="zh-TW" b="1" dirty="0">
+                <a:solidFill>
+                  <a:srgbClr val="000000"/>
+                </a:solidFill>
+                <a:latin typeface="標楷體" panose="03000509000000000000" pitchFamily="65" charset="-120"/>
+                <a:ea typeface="標楷體" panose="03000509000000000000" pitchFamily="65" charset="-120"/>
+              </a:rPr>
+              <a:t>Hypothesis 2 (H2): </a:t>
+            </a:r>
+            <a:r>
+              <a:rPr lang="zh-TW" altLang="en-US" dirty="0">
+                <a:solidFill>
+                  <a:srgbClr val="000000"/>
+                </a:solidFill>
+                <a:latin typeface="標楷體" panose="03000509000000000000" pitchFamily="65" charset="-120"/>
+                <a:ea typeface="標楷體" panose="03000509000000000000" pitchFamily="65" charset="-120"/>
+              </a:rPr>
+              <a:t>遊戲化系統內的機制會影響學生使用遊戲學習</a:t>
+            </a:r>
+            <a:r>
+              <a:rPr lang="en-US" altLang="zh-TW" dirty="0">
+                <a:solidFill>
+                  <a:srgbClr val="000000"/>
+                </a:solidFill>
+                <a:latin typeface="標楷體" panose="03000509000000000000" pitchFamily="65" charset="-120"/>
+                <a:ea typeface="標楷體" panose="03000509000000000000" pitchFamily="65" charset="-120"/>
+              </a:rPr>
+              <a:t>Git</a:t>
+            </a:r>
+            <a:r>
+              <a:rPr lang="zh-TW" altLang="en-US" dirty="0">
+                <a:solidFill>
+                  <a:srgbClr val="000000"/>
+                </a:solidFill>
+                <a:latin typeface="標楷體" panose="03000509000000000000" pitchFamily="65" charset="-120"/>
+                <a:ea typeface="標楷體" panose="03000509000000000000" pitchFamily="65" charset="-120"/>
+              </a:rPr>
+              <a:t>的自我效能感</a:t>
+            </a:r>
+          </a:p>
+          <a:p>
+            <a:pPr marL="745048" indent="-609585">
+              <a:spcBef>
+                <a:spcPts val="600"/>
+              </a:spcBef>
+              <a:spcAft>
+                <a:spcPts val="600"/>
+              </a:spcAft>
+              <a:buClr>
+                <a:srgbClr val="000000"/>
+              </a:buClr>
+            </a:pPr>
+            <a:r>
+              <a:rPr lang="en-US" altLang="zh-TW" b="1" dirty="0">
+                <a:solidFill>
+                  <a:srgbClr val="000000"/>
+                </a:solidFill>
+                <a:latin typeface="標楷體" panose="03000509000000000000" pitchFamily="65" charset="-120"/>
+                <a:ea typeface="標楷體" panose="03000509000000000000" pitchFamily="65" charset="-120"/>
+              </a:rPr>
+              <a:t>Hypothesis 3 (H3): </a:t>
+            </a:r>
+            <a:r>
+              <a:rPr lang="zh-TW" altLang="en-US" dirty="0">
+                <a:solidFill>
+                  <a:srgbClr val="000000"/>
+                </a:solidFill>
+                <a:latin typeface="標楷體" panose="03000509000000000000" pitchFamily="65" charset="-120"/>
+                <a:ea typeface="標楷體" panose="03000509000000000000" pitchFamily="65" charset="-120"/>
+              </a:rPr>
+              <a:t>遊戲化系統內的機制會影響學生對使用遊戲學習</a:t>
+            </a:r>
+            <a:r>
+              <a:rPr lang="en-US" altLang="zh-TW" dirty="0">
+                <a:solidFill>
+                  <a:srgbClr val="000000"/>
+                </a:solidFill>
+                <a:latin typeface="標楷體" panose="03000509000000000000" pitchFamily="65" charset="-120"/>
+                <a:ea typeface="標楷體" panose="03000509000000000000" pitchFamily="65" charset="-120"/>
+              </a:rPr>
+              <a:t>Git</a:t>
+            </a:r>
+            <a:r>
+              <a:rPr lang="zh-TW" altLang="en-US" dirty="0">
+                <a:solidFill>
+                  <a:srgbClr val="000000"/>
+                </a:solidFill>
+                <a:latin typeface="標楷體" panose="03000509000000000000" pitchFamily="65" charset="-120"/>
+                <a:ea typeface="標楷體" panose="03000509000000000000" pitchFamily="65" charset="-120"/>
+              </a:rPr>
+              <a:t>的努力期望值</a:t>
+            </a:r>
+          </a:p>
+          <a:p>
+            <a:pPr marL="745048" indent="-609585">
+              <a:spcBef>
+                <a:spcPts val="600"/>
+              </a:spcBef>
+              <a:spcAft>
+                <a:spcPts val="600"/>
+              </a:spcAft>
+              <a:buClr>
+                <a:srgbClr val="000000"/>
+              </a:buClr>
+            </a:pPr>
+            <a:r>
+              <a:rPr lang="en-US" altLang="zh-TW" b="1" dirty="0">
+                <a:solidFill>
+                  <a:srgbClr val="000000"/>
+                </a:solidFill>
+                <a:latin typeface="標楷體" panose="03000509000000000000" pitchFamily="65" charset="-120"/>
+                <a:ea typeface="標楷體" panose="03000509000000000000" pitchFamily="65" charset="-120"/>
+              </a:rPr>
+              <a:t>Hypothesis 4 (H4): </a:t>
+            </a:r>
+            <a:r>
+              <a:rPr lang="zh-TW" altLang="en-US" dirty="0">
+                <a:solidFill>
+                  <a:srgbClr val="000000"/>
+                </a:solidFill>
+                <a:latin typeface="標楷體" panose="03000509000000000000" pitchFamily="65" charset="-120"/>
+                <a:ea typeface="標楷體" panose="03000509000000000000" pitchFamily="65" charset="-120"/>
+              </a:rPr>
+              <a:t>遊戲化系統內的機制會影響學生對使用遊戲學習</a:t>
+            </a:r>
+            <a:r>
+              <a:rPr lang="en-US" altLang="zh-TW" dirty="0">
+                <a:solidFill>
+                  <a:srgbClr val="000000"/>
+                </a:solidFill>
+                <a:latin typeface="標楷體" panose="03000509000000000000" pitchFamily="65" charset="-120"/>
+                <a:ea typeface="標楷體" panose="03000509000000000000" pitchFamily="65" charset="-120"/>
+              </a:rPr>
+              <a:t>Git</a:t>
+            </a:r>
+            <a:r>
+              <a:rPr lang="zh-TW" altLang="en-US" dirty="0">
+                <a:solidFill>
+                  <a:srgbClr val="000000"/>
+                </a:solidFill>
+                <a:latin typeface="標楷體" panose="03000509000000000000" pitchFamily="65" charset="-120"/>
+                <a:ea typeface="標楷體" panose="03000509000000000000" pitchFamily="65" charset="-120"/>
+              </a:rPr>
+              <a:t>的享樂主義動機</a:t>
+            </a:r>
+          </a:p>
+          <a:p>
+            <a:pPr marL="745048" indent="-609585">
+              <a:spcBef>
+                <a:spcPts val="600"/>
+              </a:spcBef>
+              <a:spcAft>
+                <a:spcPts val="600"/>
+              </a:spcAft>
+              <a:buClr>
+                <a:srgbClr val="000000"/>
+              </a:buClr>
+            </a:pPr>
+            <a:r>
+              <a:rPr lang="en-US" altLang="zh-TW" b="1" dirty="0">
+                <a:solidFill>
+                  <a:srgbClr val="000000"/>
+                </a:solidFill>
+                <a:latin typeface="標楷體" panose="03000509000000000000" pitchFamily="65" charset="-120"/>
+                <a:ea typeface="標楷體" panose="03000509000000000000" pitchFamily="65" charset="-120"/>
+              </a:rPr>
+              <a:t>Hypothesis 5 (H5): </a:t>
+            </a:r>
+            <a:r>
+              <a:rPr lang="zh-TW" altLang="en-US" dirty="0">
+                <a:solidFill>
+                  <a:srgbClr val="000000"/>
+                </a:solidFill>
+                <a:latin typeface="標楷體" panose="03000509000000000000" pitchFamily="65" charset="-120"/>
+                <a:ea typeface="標楷體" panose="03000509000000000000" pitchFamily="65" charset="-120"/>
+              </a:rPr>
+              <a:t>使用遊戲學習</a:t>
+            </a:r>
+            <a:r>
+              <a:rPr lang="en-US" altLang="zh-TW" dirty="0">
+                <a:solidFill>
+                  <a:srgbClr val="000000"/>
+                </a:solidFill>
+                <a:latin typeface="標楷體" panose="03000509000000000000" pitchFamily="65" charset="-120"/>
+                <a:ea typeface="標楷體" panose="03000509000000000000" pitchFamily="65" charset="-120"/>
+              </a:rPr>
+              <a:t>Git</a:t>
+            </a:r>
+            <a:r>
+              <a:rPr lang="zh-TW" altLang="en-US" dirty="0">
+                <a:solidFill>
+                  <a:srgbClr val="000000"/>
+                </a:solidFill>
+                <a:latin typeface="標楷體" panose="03000509000000000000" pitchFamily="65" charset="-120"/>
+                <a:ea typeface="標楷體" panose="03000509000000000000" pitchFamily="65" charset="-120"/>
+              </a:rPr>
+              <a:t>的績效預期會影響學生對</a:t>
+            </a:r>
+            <a:r>
+              <a:rPr lang="en-US" altLang="zh-TW" dirty="0">
+                <a:solidFill>
+                  <a:srgbClr val="000000"/>
+                </a:solidFill>
+                <a:latin typeface="標楷體" panose="03000509000000000000" pitchFamily="65" charset="-120"/>
+                <a:ea typeface="標楷體" panose="03000509000000000000" pitchFamily="65" charset="-120"/>
+              </a:rPr>
+              <a:t>Git</a:t>
+            </a:r>
+            <a:r>
+              <a:rPr lang="zh-TW" altLang="en-US" dirty="0">
+                <a:solidFill>
+                  <a:srgbClr val="000000"/>
+                </a:solidFill>
+                <a:latin typeface="標楷體" panose="03000509000000000000" pitchFamily="65" charset="-120"/>
+                <a:ea typeface="標楷體" panose="03000509000000000000" pitchFamily="65" charset="-120"/>
+              </a:rPr>
+              <a:t>的態度</a:t>
+            </a:r>
+          </a:p>
+          <a:p>
+            <a:pPr marL="745048" indent="-609585">
+              <a:spcBef>
+                <a:spcPts val="600"/>
+              </a:spcBef>
+              <a:spcAft>
+                <a:spcPts val="600"/>
+              </a:spcAft>
+              <a:buClr>
+                <a:srgbClr val="000000"/>
+              </a:buClr>
+            </a:pPr>
+            <a:r>
+              <a:rPr lang="en-US" altLang="zh-TW" b="1" dirty="0">
+                <a:solidFill>
+                  <a:srgbClr val="000000"/>
+                </a:solidFill>
+                <a:latin typeface="標楷體" panose="03000509000000000000" pitchFamily="65" charset="-120"/>
+                <a:ea typeface="標楷體" panose="03000509000000000000" pitchFamily="65" charset="-120"/>
+              </a:rPr>
+              <a:t>Hypothesis 6 (H6): </a:t>
+            </a:r>
+            <a:r>
+              <a:rPr lang="zh-TW" altLang="en-US" dirty="0">
+                <a:solidFill>
+                  <a:srgbClr val="000000"/>
+                </a:solidFill>
+                <a:latin typeface="標楷體" panose="03000509000000000000" pitchFamily="65" charset="-120"/>
+                <a:ea typeface="標楷體" panose="03000509000000000000" pitchFamily="65" charset="-120"/>
+              </a:rPr>
+              <a:t>使用遊戲學習</a:t>
+            </a:r>
+            <a:r>
+              <a:rPr lang="en-US" altLang="zh-TW" dirty="0">
+                <a:solidFill>
+                  <a:srgbClr val="000000"/>
+                </a:solidFill>
+                <a:latin typeface="標楷體" panose="03000509000000000000" pitchFamily="65" charset="-120"/>
+                <a:ea typeface="標楷體" panose="03000509000000000000" pitchFamily="65" charset="-120"/>
+              </a:rPr>
+              <a:t>Git</a:t>
+            </a:r>
+            <a:r>
+              <a:rPr lang="zh-TW" altLang="en-US" dirty="0">
+                <a:solidFill>
+                  <a:srgbClr val="000000"/>
+                </a:solidFill>
+                <a:latin typeface="標楷體" panose="03000509000000000000" pitchFamily="65" charset="-120"/>
+                <a:ea typeface="標楷體" panose="03000509000000000000" pitchFamily="65" charset="-120"/>
+              </a:rPr>
+              <a:t>的自我效能感會影響學生對</a:t>
+            </a:r>
+            <a:r>
+              <a:rPr lang="en-US" altLang="zh-TW" dirty="0">
+                <a:solidFill>
+                  <a:srgbClr val="000000"/>
+                </a:solidFill>
+                <a:latin typeface="標楷體" panose="03000509000000000000" pitchFamily="65" charset="-120"/>
+                <a:ea typeface="標楷體" panose="03000509000000000000" pitchFamily="65" charset="-120"/>
+              </a:rPr>
+              <a:t>Git</a:t>
+            </a:r>
+            <a:r>
+              <a:rPr lang="zh-TW" altLang="en-US" dirty="0">
+                <a:solidFill>
+                  <a:srgbClr val="000000"/>
+                </a:solidFill>
+                <a:latin typeface="標楷體" panose="03000509000000000000" pitchFamily="65" charset="-120"/>
+                <a:ea typeface="標楷體" panose="03000509000000000000" pitchFamily="65" charset="-120"/>
+              </a:rPr>
+              <a:t>的態度</a:t>
+            </a:r>
+          </a:p>
+          <a:p>
+            <a:pPr marL="745048" indent="-609585">
+              <a:spcBef>
+                <a:spcPts val="600"/>
+              </a:spcBef>
+              <a:spcAft>
+                <a:spcPts val="600"/>
+              </a:spcAft>
+              <a:buClr>
+                <a:srgbClr val="000000"/>
+              </a:buClr>
+            </a:pPr>
+            <a:r>
+              <a:rPr lang="en-US" altLang="zh-TW" b="1" dirty="0">
+                <a:solidFill>
+                  <a:srgbClr val="000000"/>
+                </a:solidFill>
+                <a:latin typeface="標楷體" panose="03000509000000000000" pitchFamily="65" charset="-120"/>
+                <a:ea typeface="標楷體" panose="03000509000000000000" pitchFamily="65" charset="-120"/>
+              </a:rPr>
+              <a:t>Hypothesis 7 (H7): </a:t>
+            </a:r>
+            <a:r>
+              <a:rPr lang="zh-TW" altLang="en-US" dirty="0">
+                <a:solidFill>
+                  <a:srgbClr val="000000"/>
+                </a:solidFill>
+                <a:latin typeface="標楷體" panose="03000509000000000000" pitchFamily="65" charset="-120"/>
+                <a:ea typeface="標楷體" panose="03000509000000000000" pitchFamily="65" charset="-120"/>
+              </a:rPr>
+              <a:t>使用遊戲學習</a:t>
+            </a:r>
+            <a:r>
+              <a:rPr lang="en-US" altLang="zh-TW" dirty="0">
+                <a:solidFill>
+                  <a:srgbClr val="000000"/>
+                </a:solidFill>
+                <a:latin typeface="標楷體" panose="03000509000000000000" pitchFamily="65" charset="-120"/>
+                <a:ea typeface="標楷體" panose="03000509000000000000" pitchFamily="65" charset="-120"/>
+              </a:rPr>
+              <a:t>Git</a:t>
+            </a:r>
+            <a:r>
+              <a:rPr lang="zh-TW" altLang="en-US" dirty="0">
+                <a:solidFill>
+                  <a:srgbClr val="000000"/>
+                </a:solidFill>
+                <a:latin typeface="標楷體" panose="03000509000000000000" pitchFamily="65" charset="-120"/>
+                <a:ea typeface="標楷體" panose="03000509000000000000" pitchFamily="65" charset="-120"/>
+              </a:rPr>
+              <a:t>的努力期望值會影響學生對</a:t>
+            </a:r>
+            <a:r>
+              <a:rPr lang="en-US" altLang="zh-TW" dirty="0">
+                <a:solidFill>
+                  <a:srgbClr val="000000"/>
+                </a:solidFill>
+                <a:latin typeface="標楷體" panose="03000509000000000000" pitchFamily="65" charset="-120"/>
+                <a:ea typeface="標楷體" panose="03000509000000000000" pitchFamily="65" charset="-120"/>
+              </a:rPr>
+              <a:t>Git</a:t>
+            </a:r>
+            <a:r>
+              <a:rPr lang="zh-TW" altLang="en-US" dirty="0">
+                <a:solidFill>
+                  <a:srgbClr val="000000"/>
+                </a:solidFill>
+                <a:latin typeface="標楷體" panose="03000509000000000000" pitchFamily="65" charset="-120"/>
+                <a:ea typeface="標楷體" panose="03000509000000000000" pitchFamily="65" charset="-120"/>
+              </a:rPr>
+              <a:t>的態度</a:t>
+            </a:r>
+          </a:p>
+          <a:p>
+            <a:pPr marL="745048" indent="-609585">
+              <a:spcBef>
+                <a:spcPts val="600"/>
+              </a:spcBef>
+              <a:spcAft>
+                <a:spcPts val="600"/>
+              </a:spcAft>
+              <a:buClr>
+                <a:srgbClr val="000000"/>
+              </a:buClr>
+            </a:pPr>
+            <a:r>
+              <a:rPr lang="en-US" altLang="zh-TW" b="1" dirty="0">
+                <a:solidFill>
+                  <a:srgbClr val="000000"/>
+                </a:solidFill>
+                <a:latin typeface="標楷體" panose="03000509000000000000" pitchFamily="65" charset="-120"/>
+                <a:ea typeface="標楷體" panose="03000509000000000000" pitchFamily="65" charset="-120"/>
+              </a:rPr>
+              <a:t>Hypothesis 8 (H8): </a:t>
+            </a:r>
+            <a:r>
+              <a:rPr lang="zh-TW" altLang="en-US" dirty="0">
+                <a:solidFill>
+                  <a:srgbClr val="000000"/>
+                </a:solidFill>
+                <a:latin typeface="標楷體" panose="03000509000000000000" pitchFamily="65" charset="-120"/>
+                <a:ea typeface="標楷體" panose="03000509000000000000" pitchFamily="65" charset="-120"/>
+              </a:rPr>
+              <a:t>使用遊戲學習</a:t>
+            </a:r>
+            <a:r>
+              <a:rPr lang="en-US" altLang="zh-TW" dirty="0">
+                <a:solidFill>
+                  <a:srgbClr val="000000"/>
+                </a:solidFill>
+                <a:latin typeface="標楷體" panose="03000509000000000000" pitchFamily="65" charset="-120"/>
+                <a:ea typeface="標楷體" panose="03000509000000000000" pitchFamily="65" charset="-120"/>
+              </a:rPr>
+              <a:t>Git</a:t>
+            </a:r>
+            <a:r>
+              <a:rPr lang="zh-TW" altLang="en-US" dirty="0">
+                <a:solidFill>
+                  <a:srgbClr val="000000"/>
+                </a:solidFill>
+                <a:latin typeface="標楷體" panose="03000509000000000000" pitchFamily="65" charset="-120"/>
+                <a:ea typeface="標楷體" panose="03000509000000000000" pitchFamily="65" charset="-120"/>
+              </a:rPr>
+              <a:t>的享樂主義動機會影響學生對</a:t>
+            </a:r>
+            <a:r>
+              <a:rPr lang="en-US" altLang="zh-TW" dirty="0">
+                <a:solidFill>
+                  <a:srgbClr val="000000"/>
+                </a:solidFill>
+                <a:latin typeface="標楷體" panose="03000509000000000000" pitchFamily="65" charset="-120"/>
+                <a:ea typeface="標楷體" panose="03000509000000000000" pitchFamily="65" charset="-120"/>
+              </a:rPr>
+              <a:t>Git</a:t>
+            </a:r>
+            <a:r>
+              <a:rPr lang="zh-TW" altLang="en-US" dirty="0">
+                <a:solidFill>
+                  <a:srgbClr val="000000"/>
+                </a:solidFill>
+                <a:latin typeface="標楷體" panose="03000509000000000000" pitchFamily="65" charset="-120"/>
+                <a:ea typeface="標楷體" panose="03000509000000000000" pitchFamily="65" charset="-120"/>
+              </a:rPr>
+              <a:t>的態度</a:t>
+            </a:r>
+          </a:p>
+          <a:p>
+            <a:pPr marL="745048" indent="-609585">
+              <a:spcBef>
+                <a:spcPts val="600"/>
+              </a:spcBef>
+              <a:spcAft>
+                <a:spcPts val="600"/>
+              </a:spcAft>
+              <a:buClr>
+                <a:srgbClr val="000000"/>
+              </a:buClr>
+            </a:pPr>
+            <a:r>
+              <a:rPr lang="en-US" altLang="zh-TW" b="1" dirty="0">
+                <a:solidFill>
+                  <a:srgbClr val="000000"/>
+                </a:solidFill>
+                <a:latin typeface="標楷體" panose="03000509000000000000" pitchFamily="65" charset="-120"/>
+                <a:ea typeface="標楷體" panose="03000509000000000000" pitchFamily="65" charset="-120"/>
+              </a:rPr>
+              <a:t>Hypothesis 9 (H9): </a:t>
+            </a:r>
+            <a:r>
+              <a:rPr lang="zh-TW" altLang="en-US" dirty="0">
+                <a:solidFill>
+                  <a:srgbClr val="000000"/>
+                </a:solidFill>
+                <a:latin typeface="標楷體" panose="03000509000000000000" pitchFamily="65" charset="-120"/>
+                <a:ea typeface="標楷體" panose="03000509000000000000" pitchFamily="65" charset="-120"/>
+              </a:rPr>
+              <a:t>學生對</a:t>
+            </a:r>
+            <a:r>
+              <a:rPr lang="en-US" altLang="zh-TW" dirty="0">
+                <a:solidFill>
+                  <a:srgbClr val="000000"/>
+                </a:solidFill>
+                <a:latin typeface="標楷體" panose="03000509000000000000" pitchFamily="65" charset="-120"/>
+                <a:ea typeface="標楷體" panose="03000509000000000000" pitchFamily="65" charset="-120"/>
+              </a:rPr>
+              <a:t>Git</a:t>
+            </a:r>
+            <a:r>
+              <a:rPr lang="zh-TW" altLang="en-US" dirty="0">
+                <a:solidFill>
+                  <a:srgbClr val="000000"/>
+                </a:solidFill>
+                <a:latin typeface="標楷體" panose="03000509000000000000" pitchFamily="65" charset="-120"/>
+                <a:ea typeface="標楷體" panose="03000509000000000000" pitchFamily="65" charset="-120"/>
+              </a:rPr>
+              <a:t>的態度會影響其對</a:t>
+            </a:r>
+            <a:r>
+              <a:rPr lang="en-US" altLang="zh-TW" dirty="0">
+                <a:solidFill>
+                  <a:srgbClr val="000000"/>
+                </a:solidFill>
+                <a:latin typeface="標楷體" panose="03000509000000000000" pitchFamily="65" charset="-120"/>
+                <a:ea typeface="標楷體" panose="03000509000000000000" pitchFamily="65" charset="-120"/>
+              </a:rPr>
+              <a:t>Git</a:t>
+            </a:r>
+            <a:r>
+              <a:rPr lang="zh-TW" altLang="en-US" dirty="0">
+                <a:solidFill>
+                  <a:srgbClr val="000000"/>
+                </a:solidFill>
+                <a:latin typeface="標楷體" panose="03000509000000000000" pitchFamily="65" charset="-120"/>
+                <a:ea typeface="標楷體" panose="03000509000000000000" pitchFamily="65" charset="-120"/>
+              </a:rPr>
+              <a:t>的行為意向 </a:t>
+            </a:r>
+            <a:endParaRPr lang="en-US" altLang="zh-TW" dirty="0">
+              <a:solidFill>
+                <a:srgbClr val="000000"/>
+              </a:solidFill>
+              <a:latin typeface="標楷體" panose="03000509000000000000" pitchFamily="65" charset="-120"/>
+              <a:ea typeface="標楷體" panose="03000509000000000000" pitchFamily="65" charset="-120"/>
+            </a:endParaRPr>
+          </a:p>
+          <a:p>
+            <a:pPr marL="745048" indent="-609585">
+              <a:spcBef>
+                <a:spcPts val="600"/>
+              </a:spcBef>
+              <a:spcAft>
+                <a:spcPts val="600"/>
+              </a:spcAft>
+              <a:buClr>
+                <a:srgbClr val="000000"/>
+              </a:buClr>
+            </a:pPr>
+            <a:r>
+              <a:rPr lang="en-US" altLang="zh-TW" b="1" dirty="0">
+                <a:solidFill>
+                  <a:srgbClr val="000000"/>
+                </a:solidFill>
+                <a:latin typeface="標楷體" panose="03000509000000000000" pitchFamily="65" charset="-120"/>
+                <a:ea typeface="標楷體" panose="03000509000000000000" pitchFamily="65" charset="-120"/>
+              </a:rPr>
+              <a:t>Hypothesis 10 (H10): </a:t>
+            </a:r>
+            <a:r>
+              <a:rPr lang="zh-TW" altLang="en-US" dirty="0">
+                <a:solidFill>
+                  <a:srgbClr val="000000"/>
+                </a:solidFill>
+                <a:latin typeface="標楷體" panose="03000509000000000000" pitchFamily="65" charset="-120"/>
+                <a:ea typeface="標楷體" panose="03000509000000000000" pitchFamily="65" charset="-120"/>
+              </a:rPr>
+              <a:t>學生對</a:t>
+            </a:r>
+            <a:r>
+              <a:rPr lang="en-US" altLang="zh-TW" dirty="0">
+                <a:solidFill>
+                  <a:srgbClr val="000000"/>
+                </a:solidFill>
+                <a:latin typeface="標楷體" panose="03000509000000000000" pitchFamily="65" charset="-120"/>
+                <a:ea typeface="標楷體" panose="03000509000000000000" pitchFamily="65" charset="-120"/>
+              </a:rPr>
+              <a:t>Git</a:t>
+            </a:r>
+            <a:r>
+              <a:rPr lang="zh-TW" altLang="en-US" dirty="0">
+                <a:solidFill>
+                  <a:srgbClr val="000000"/>
+                </a:solidFill>
+                <a:latin typeface="標楷體" panose="03000509000000000000" pitchFamily="65" charset="-120"/>
+                <a:ea typeface="標楷體" panose="03000509000000000000" pitchFamily="65" charset="-120"/>
+              </a:rPr>
+              <a:t>的行為意向會影響其實際使用</a:t>
+            </a:r>
+            <a:r>
+              <a:rPr lang="en-US" altLang="zh-TW" dirty="0">
+                <a:solidFill>
+                  <a:srgbClr val="000000"/>
+                </a:solidFill>
+                <a:latin typeface="標楷體" panose="03000509000000000000" pitchFamily="65" charset="-120"/>
+                <a:ea typeface="標楷體" panose="03000509000000000000" pitchFamily="65" charset="-120"/>
+              </a:rPr>
+              <a:t>Git</a:t>
+            </a:r>
+            <a:r>
+              <a:rPr lang="zh-TW" altLang="en-US" dirty="0">
+                <a:solidFill>
+                  <a:srgbClr val="000000"/>
+                </a:solidFill>
+                <a:latin typeface="標楷體" panose="03000509000000000000" pitchFamily="65" charset="-120"/>
+                <a:ea typeface="標楷體" panose="03000509000000000000" pitchFamily="65" charset="-120"/>
+              </a:rPr>
+              <a:t>的行為</a:t>
+            </a:r>
+          </a:p>
+        </p:txBody>
+      </p:sp>
+    </p:spTree>
+    <p:extLst>
+      <p:ext uri="{BB962C8B-B14F-4D97-AF65-F5344CB8AC3E}">
+        <p14:creationId xmlns:p14="http://schemas.microsoft.com/office/powerpoint/2010/main" val="4234093526"/>
       </p:ext>
     </p:extLst>
   </p:cSld>
@@ -28849,10 +30675,10 @@
           <a:p>
             <a:pPr marL="0" indent="0">
               <a:spcBef>
-                <a:spcPts val="225"/>
-              </a:spcBef>
-              <a:spcAft>
-                <a:spcPts val="0"/>
+                <a:spcPts val="200"/>
+              </a:spcBef>
+              <a:spcAft>
+                <a:spcPts val="200"/>
               </a:spcAft>
               <a:buNone/>
             </a:pPr>
@@ -28881,19 +30707,108 @@
             </a:endParaRPr>
           </a:p>
           <a:p>
+            <a:pPr indent="-457189">
+              <a:spcBef>
+                <a:spcPts val="500"/>
+              </a:spcBef>
+              <a:spcAft>
+                <a:spcPts val="500"/>
+              </a:spcAft>
+              <a:buClr>
+                <a:srgbClr val="000000"/>
+              </a:buClr>
+              <a:buSzPts val="1800"/>
+            </a:pPr>
+            <a:r>
+              <a:rPr lang="zh-TW" altLang="en-US" dirty="0">
+                <a:solidFill>
+                  <a:srgbClr val="000000"/>
+                </a:solidFill>
+                <a:latin typeface="DFKai-SB"/>
+                <a:ea typeface="DFKai-SB"/>
+              </a:rPr>
+              <a:t>近幾十年來嚴肅遊戲與遊戲化都被用於開發用於</a:t>
+            </a:r>
+            <a:r>
+              <a:rPr lang="en-US" altLang="zh-TW" dirty="0">
+                <a:solidFill>
+                  <a:srgbClr val="000000"/>
+                </a:solidFill>
+                <a:latin typeface="DFKai-SB"/>
+                <a:ea typeface="DFKai-SB"/>
+              </a:rPr>
+              <a:t>”</a:t>
+            </a:r>
+            <a:r>
+              <a:rPr lang="zh-TW" altLang="en-US" dirty="0">
+                <a:solidFill>
+                  <a:srgbClr val="000000"/>
+                </a:solidFill>
+                <a:latin typeface="DFKai-SB"/>
+                <a:ea typeface="DFKai-SB"/>
+              </a:rPr>
+              <a:t>嚴肅”目的，嚴肅遊戲以完整的遊戲為基礎，將娛樂作為次要，遊戲化則是將遊戲元素加入到非遊戲的環境之中，但都試圖使用遊戲或遊戲元素來教育和改變行為模式</a:t>
+            </a:r>
+            <a:endParaRPr lang="en-US" altLang="zh-TW" dirty="0">
+              <a:solidFill>
+                <a:srgbClr val="000000"/>
+              </a:solidFill>
+              <a:latin typeface="DFKai-SB"/>
+              <a:ea typeface="DFKai-SB"/>
+            </a:endParaRPr>
+          </a:p>
+          <a:p>
             <a:pPr marL="0" indent="0">
               <a:spcBef>
-                <a:spcPts val="225"/>
-              </a:spcBef>
-              <a:spcAft>
-                <a:spcPts val="0"/>
-              </a:spcAft>
+                <a:spcPts val="500"/>
+              </a:spcBef>
+              <a:spcAft>
+                <a:spcPts val="500"/>
+              </a:spcAft>
+              <a:buClr>
+                <a:srgbClr val="000000"/>
+              </a:buClr>
+              <a:buSzPts val="1800"/>
               <a:buNone/>
             </a:pPr>
-            <a:endParaRPr dirty="0"/>
+            <a:r>
+              <a:rPr lang="zh-TW" altLang="en-US" b="1" dirty="0">
+                <a:solidFill>
+                  <a:srgbClr val="000000"/>
+                </a:solidFill>
+                <a:latin typeface="標楷體" panose="03000509000000000000" pitchFamily="65" charset="-120"/>
+                <a:ea typeface="標楷體" panose="03000509000000000000" pitchFamily="65" charset="-120"/>
+              </a:rPr>
+              <a:t>遊戲設計元素</a:t>
+            </a:r>
+            <a:r>
+              <a:rPr lang="en-US" altLang="zh-TW" b="1" dirty="0">
+                <a:solidFill>
+                  <a:srgbClr val="000000"/>
+                </a:solidFill>
+                <a:latin typeface="標楷體" panose="03000509000000000000" pitchFamily="65" charset="-120"/>
+                <a:ea typeface="標楷體" panose="03000509000000000000" pitchFamily="65" charset="-120"/>
+              </a:rPr>
+              <a:t>:</a:t>
+            </a:r>
+            <a:endParaRPr lang="zh-TW" altLang="en-US" b="1" dirty="0">
+              <a:solidFill>
+                <a:srgbClr val="000000"/>
+              </a:solidFill>
+              <a:latin typeface="標楷體" panose="03000509000000000000" pitchFamily="65" charset="-120"/>
+              <a:ea typeface="標楷體" panose="03000509000000000000" pitchFamily="65" charset="-120"/>
+              <a:cs typeface="DFKai-SB"/>
+              <a:sym typeface="DFKai-SB"/>
+            </a:endParaRPr>
           </a:p>
           <a:p>
             <a:pPr indent="-457189">
+              <a:spcBef>
+                <a:spcPts val="200"/>
+              </a:spcBef>
+              <a:spcAft>
+                <a:spcPts val="200"/>
+              </a:spcAft>
               <a:buClr>
                 <a:srgbClr val="000000"/>
               </a:buClr>
@@ -28904,31 +30819,74 @@
                 <a:solidFill>
                   <a:srgbClr val="000000"/>
                 </a:solidFill>
-                <a:latin typeface="DFKai-SB"/>
-                <a:ea typeface="DFKai-SB"/>
-              </a:rPr>
-              <a:t>近幾十年來嚴肅遊戲與遊戲化都被用於開發用於</a:t>
+                <a:latin typeface="標楷體" panose="03000509000000000000" pitchFamily="65" charset="-120"/>
+                <a:ea typeface="標楷體" panose="03000509000000000000" pitchFamily="65" charset="-120"/>
+              </a:rPr>
+              <a:t>遊戲設計元素為</a:t>
+            </a:r>
+            <a:r>
+              <a:rPr lang="zh-TW" altLang="en-US" dirty="0">
+                <a:solidFill>
+                  <a:schemeClr val="bg1">
+                    <a:lumMod val="10000"/>
+                  </a:schemeClr>
+                </a:solidFill>
+                <a:latin typeface="標楷體" panose="03000509000000000000" pitchFamily="65" charset="-120"/>
+                <a:ea typeface="標楷體" panose="03000509000000000000" pitchFamily="65" charset="-120"/>
+              </a:rPr>
+              <a:t>吸引使用者的重要動力</a:t>
+            </a:r>
+            <a:r>
+              <a:rPr lang="zh-TW" altLang="en-US" dirty="0">
+                <a:solidFill>
+                  <a:srgbClr val="000000"/>
+                </a:solidFill>
+                <a:latin typeface="標楷體" panose="03000509000000000000" pitchFamily="65" charset="-120"/>
+                <a:ea typeface="標楷體" panose="03000509000000000000" pitchFamily="65" charset="-120"/>
+                <a:cs typeface="DFKai-SB"/>
+                <a:sym typeface="DFKai-SB"/>
+              </a:rPr>
+              <a:t>，並且往往是相互關聯的，</a:t>
             </a:r>
             <a:r>
               <a:rPr lang="en-US" altLang="zh-TW" dirty="0">
                 <a:solidFill>
                   <a:srgbClr val="000000"/>
                 </a:solidFill>
-                <a:latin typeface="DFKai-SB"/>
-                <a:ea typeface="DFKai-SB"/>
-              </a:rPr>
-              <a:t>”</a:t>
+                <a:latin typeface="標楷體" panose="03000509000000000000" pitchFamily="65" charset="-120"/>
+                <a:ea typeface="標楷體" panose="03000509000000000000" pitchFamily="65" charset="-120"/>
+                <a:cs typeface="DFKai-SB"/>
+                <a:sym typeface="DFKai-SB"/>
+              </a:rPr>
+              <a:t>Katie Seaborn</a:t>
             </a:r>
             <a:r>
               <a:rPr lang="zh-TW" altLang="en-US" dirty="0">
                 <a:solidFill>
                   <a:srgbClr val="000000"/>
                 </a:solidFill>
-                <a:latin typeface="DFKai-SB"/>
-                <a:ea typeface="DFKai-SB"/>
-              </a:rPr>
-              <a:t>嚴肅”目的，嚴肅遊戲以完整的遊戲為基礎，將娛樂作為次要，遊戲化則是將遊戲元素加入到非遊戲的環境之中，但都試圖使用遊戲或遊戲元素來教育和改變行為模式</a:t>
-            </a:r>
+                <a:latin typeface="標楷體" panose="03000509000000000000" pitchFamily="65" charset="-120"/>
+                <a:ea typeface="標楷體" panose="03000509000000000000" pitchFamily="65" charset="-120"/>
+                <a:cs typeface="DFKai-SB"/>
+                <a:sym typeface="DFKai-SB"/>
+              </a:rPr>
+              <a:t>等人統整了數個遊戲化元素</a:t>
+            </a:r>
+            <a:endParaRPr lang="zh-TW" altLang="en-US" b="1" dirty="0">
+              <a:solidFill>
+                <a:srgbClr val="000000"/>
+              </a:solidFill>
+              <a:latin typeface="標楷體" panose="03000509000000000000" pitchFamily="65" charset="-120"/>
+              <a:ea typeface="標楷體" panose="03000509000000000000" pitchFamily="65" charset="-120"/>
+            </a:endParaRPr>
+          </a:p>
+          <a:p>
+            <a:pPr indent="-457189">
+              <a:buClr>
+                <a:srgbClr val="000000"/>
+              </a:buClr>
+              <a:buSzPts val="1800"/>
+            </a:pPr>
             <a:endParaRPr lang="en-US" dirty="0">
               <a:solidFill>
                 <a:srgbClr val="000000"/>
@@ -28937,6 +30895,23 @@
               <a:ea typeface="DFKai-SB"/>
               <a:cs typeface="Arial"/>
               <a:sym typeface="Arial"/>
+            </a:endParaRPr>
+          </a:p>
+          <a:p>
+            <a:pPr indent="-457189">
+              <a:buClr>
+                <a:srgbClr val="000000"/>
+              </a:buClr>
+              <a:buSzPts val="1800"/>
+            </a:pPr>
+            <a:endParaRPr lang="en-US" sz="2400" dirty="0">
+              <a:solidFill>
+                <a:srgbClr val="000000"/>
+              </a:solidFill>
+              <a:latin typeface="DFKai-SB"/>
+              <a:ea typeface="DFKai-SB"/>
+              <a:cs typeface="DFKai-SB"/>
+              <a:sym typeface="DFKai-SB"/>
             </a:endParaRPr>
           </a:p>
           <a:p>
@@ -28988,318 +30963,12 @@
           </a:p>
         </p:txBody>
       </p:sp>
-    </p:spTree>
-  </p:cSld>
-  <p:clrMapOvr>
-    <a:masterClrMapping/>
-  </p:clrMapOvr>
-  <mc:AlternateContent xmlns:mc="http://schemas.openxmlformats.org/markup-compatibility/2006" xmlns:p159="http://schemas.microsoft.com/office/powerpoint/2015/09/main">
-    <mc:Choice Requires="p159">
-      <p:transition xmlns:p14="http://schemas.microsoft.com/office/powerpoint/2010/main" spd="slow" p14:dur="2000">
-        <p159:morph option="byObject"/>
-      </p:transition>
-    </mc:Choice>
-    <mc:Fallback xmlns="">
-      <p:transition spd="slow">
-        <p:fade/>
-      </p:transition>
-    </mc:Fallback>
-  </mc:AlternateContent>
-</p:sld>
-</file>
-
-<file path=ppt/slides/slide9.xml><?xml version="1.0" encoding="utf-8"?>
-<p:sld xmlns:a="http://schemas.openxmlformats.org/drawingml/2006/main" xmlns:r="http://schemas.openxmlformats.org/officeDocument/2006/relationships" xmlns:p="http://schemas.openxmlformats.org/presentationml/2006/main">
-  <p:cSld>
-    <p:spTree>
-      <p:nvGrpSpPr>
-        <p:cNvPr id="1" name="Shape 227"/>
-        <p:cNvGrpSpPr/>
-        <p:nvPr/>
-      </p:nvGrpSpPr>
-      <p:grpSpPr>
-        <a:xfrm>
-          <a:off x="0" y="0"/>
-          <a:ext cx="0" cy="0"/>
-          <a:chOff x="0" y="0"/>
-          <a:chExt cx="0" cy="0"/>
-        </a:xfrm>
-      </p:grpSpPr>
-      <p:sp>
-        <p:nvSpPr>
-          <p:cNvPr id="228" name="Google Shape;228;p36"/>
-          <p:cNvSpPr txBox="1">
-            <a:spLocks noGrp="1"/>
-          </p:cNvSpPr>
-          <p:nvPr>
-            <p:ph type="title"/>
-          </p:nvPr>
-        </p:nvSpPr>
-        <p:spPr>
-          <a:xfrm>
-            <a:off x="0" y="620713"/>
-            <a:ext cx="11582400" cy="1066800"/>
-          </a:xfrm>
-          <a:prstGeom prst="rect">
-            <a:avLst/>
-          </a:prstGeom>
-          <a:ln>
-            <a:noFill/>
-          </a:ln>
-        </p:spPr>
-        <p:txBody>
-          <a:bodyPr spcFirstLastPara="1" vert="horz" wrap="square" lIns="121900" tIns="60933" rIns="121900" bIns="60933" numCol="1" anchor="ctr" anchorCtr="0" compatLnSpc="1">
-            <a:prstTxWarp prst="textNoShape">
-              <a:avLst/>
-            </a:prstTxWarp>
-            <a:noAutofit/>
-          </a:bodyPr>
-          <a:lstStyle/>
-          <a:p>
-            <a:pPr indent="609585">
-              <a:spcBef>
-                <a:spcPts val="0"/>
-              </a:spcBef>
-              <a:spcAft>
-                <a:spcPts val="0"/>
-              </a:spcAft>
-            </a:pPr>
-            <a:r>
-              <a:rPr lang="zh-TW" altLang="zh-TW" b="1" dirty="0">
-                <a:solidFill>
-                  <a:srgbClr val="000000"/>
-                </a:solidFill>
-                <a:latin typeface="DFKai-SB"/>
-                <a:ea typeface="DFKai-SB"/>
-                <a:cs typeface="DFKai-SB"/>
-                <a:sym typeface="DFKai-SB"/>
-              </a:rPr>
-              <a:t>文獻</a:t>
-            </a:r>
-            <a:r>
-              <a:rPr lang="zh-TW" altLang="en-US" b="1" dirty="0">
-                <a:solidFill>
-                  <a:srgbClr val="000000"/>
-                </a:solidFill>
-                <a:latin typeface="DFKai-SB"/>
-                <a:ea typeface="DFKai-SB"/>
-                <a:cs typeface="DFKai-SB"/>
-                <a:sym typeface="DFKai-SB"/>
-              </a:rPr>
-              <a:t>回顧</a:t>
-            </a:r>
-            <a:endParaRPr b="1" dirty="0">
-              <a:latin typeface="DFKai-SB"/>
-              <a:ea typeface="DFKai-SB"/>
-              <a:cs typeface="DFKai-SB"/>
-              <a:sym typeface="DFKai-SB"/>
-            </a:endParaRPr>
-          </a:p>
-        </p:txBody>
-      </p:sp>
-      <p:sp>
-        <p:nvSpPr>
-          <p:cNvPr id="230" name="Google Shape;230;p36"/>
-          <p:cNvSpPr txBox="1">
-            <a:spLocks noGrp="1"/>
-          </p:cNvSpPr>
-          <p:nvPr>
-            <p:ph type="body" idx="1"/>
-          </p:nvPr>
-        </p:nvSpPr>
-        <p:spPr>
-          <a:xfrm>
-            <a:off x="624417" y="1773239"/>
-            <a:ext cx="10972800" cy="4827600"/>
-          </a:xfrm>
-          <a:prstGeom prst="rect">
-            <a:avLst/>
-          </a:prstGeom>
-        </p:spPr>
-        <p:txBody>
-          <a:bodyPr spcFirstLastPara="1" vert="horz" wrap="square" lIns="121900" tIns="60933" rIns="121900" bIns="60933" numCol="1" anchor="t" anchorCtr="0" compatLnSpc="1">
-            <a:prstTxWarp prst="textNoShape">
-              <a:avLst/>
-            </a:prstTxWarp>
-            <a:noAutofit/>
-          </a:bodyPr>
-          <a:lstStyle/>
-          <a:p>
-            <a:pPr marL="0" indent="0">
-              <a:spcBef>
-                <a:spcPts val="225"/>
-              </a:spcBef>
-              <a:spcAft>
-                <a:spcPts val="0"/>
-              </a:spcAft>
-              <a:buNone/>
-            </a:pPr>
-            <a:r>
-              <a:rPr lang="zh-TW" altLang="en-US" b="1" dirty="0">
-                <a:solidFill>
-                  <a:srgbClr val="000000"/>
-                </a:solidFill>
-                <a:latin typeface="標楷體" panose="03000509000000000000" pitchFamily="65" charset="-120"/>
-                <a:ea typeface="標楷體" panose="03000509000000000000" pitchFamily="65" charset="-120"/>
-              </a:rPr>
-              <a:t>遊戲化元素</a:t>
-            </a:r>
-            <a:endParaRPr b="1" dirty="0">
-              <a:solidFill>
-                <a:srgbClr val="000000"/>
-              </a:solidFill>
-              <a:latin typeface="標楷體" panose="03000509000000000000" pitchFamily="65" charset="-120"/>
-              <a:ea typeface="標楷體" panose="03000509000000000000" pitchFamily="65" charset="-120"/>
-              <a:cs typeface="DFKai-SB"/>
-              <a:sym typeface="DFKai-SB"/>
-            </a:endParaRPr>
-          </a:p>
-          <a:p>
-            <a:pPr marL="0" indent="0">
-              <a:spcBef>
-                <a:spcPts val="225"/>
-              </a:spcBef>
-              <a:spcAft>
-                <a:spcPts val="0"/>
-              </a:spcAft>
-              <a:buNone/>
-            </a:pPr>
-            <a:endParaRPr lang="zh-TW" altLang="en-US" dirty="0">
-              <a:latin typeface="標楷體" panose="03000509000000000000" pitchFamily="65" charset="-120"/>
-              <a:ea typeface="標楷體" panose="03000509000000000000" pitchFamily="65" charset="-120"/>
-            </a:endParaRPr>
-          </a:p>
-          <a:p>
-            <a:pPr marL="609585" indent="-474121">
-              <a:spcBef>
-                <a:spcPts val="225"/>
-              </a:spcBef>
-              <a:spcAft>
-                <a:spcPts val="0"/>
-              </a:spcAft>
-              <a:buClr>
-                <a:srgbClr val="000000"/>
-              </a:buClr>
-              <a:buSzPts val="2000"/>
-              <a:buFont typeface="DFKai-SB"/>
-              <a:buChar char="•"/>
-            </a:pPr>
-            <a:r>
-              <a:rPr lang="zh-TW" altLang="en-US" dirty="0">
-                <a:solidFill>
-                  <a:srgbClr val="000000"/>
-                </a:solidFill>
-                <a:latin typeface="標楷體" panose="03000509000000000000" pitchFamily="65" charset="-120"/>
-                <a:ea typeface="標楷體" panose="03000509000000000000" pitchFamily="65" charset="-120"/>
-              </a:rPr>
-              <a:t>遊戲化元素作為</a:t>
-            </a:r>
-            <a:r>
-              <a:rPr lang="zh-TW" altLang="en-US" dirty="0">
-                <a:solidFill>
-                  <a:schemeClr val="bg1">
-                    <a:lumMod val="10000"/>
-                  </a:schemeClr>
-                </a:solidFill>
-                <a:latin typeface="標楷體" panose="03000509000000000000" pitchFamily="65" charset="-120"/>
-                <a:ea typeface="標楷體" panose="03000509000000000000" pitchFamily="65" charset="-120"/>
-              </a:rPr>
-              <a:t>吸引使用者的重要動力</a:t>
-            </a:r>
-            <a:r>
-              <a:rPr lang="zh-TW" dirty="0">
-                <a:solidFill>
-                  <a:srgbClr val="000000"/>
-                </a:solidFill>
-                <a:latin typeface="標楷體" panose="03000509000000000000" pitchFamily="65" charset="-120"/>
-                <a:ea typeface="標楷體" panose="03000509000000000000" pitchFamily="65" charset="-120"/>
-                <a:cs typeface="DFKai-SB"/>
-                <a:sym typeface="DFKai-SB"/>
-              </a:rPr>
-              <a:t>，</a:t>
-            </a:r>
-            <a:r>
-              <a:rPr lang="zh-TW" altLang="en-US" dirty="0">
-                <a:solidFill>
-                  <a:srgbClr val="000000"/>
-                </a:solidFill>
-                <a:latin typeface="標楷體" panose="03000509000000000000" pitchFamily="65" charset="-120"/>
-                <a:ea typeface="標楷體" panose="03000509000000000000" pitchFamily="65" charset="-120"/>
-                <a:cs typeface="DFKai-SB"/>
-                <a:sym typeface="DFKai-SB"/>
-              </a:rPr>
-              <a:t>並且遊戲元素往往是相互關聯的，</a:t>
-            </a:r>
-            <a:r>
-              <a:rPr lang="en-US" altLang="zh-TW" dirty="0">
-                <a:solidFill>
-                  <a:srgbClr val="000000"/>
-                </a:solidFill>
-                <a:latin typeface="標楷體" panose="03000509000000000000" pitchFamily="65" charset="-120"/>
-                <a:ea typeface="標楷體" panose="03000509000000000000" pitchFamily="65" charset="-120"/>
-                <a:cs typeface="DFKai-SB"/>
-                <a:sym typeface="DFKai-SB"/>
-              </a:rPr>
-              <a:t>Katie Seaborn</a:t>
-            </a:r>
-            <a:r>
-              <a:rPr lang="zh-TW" altLang="en-US" dirty="0">
-                <a:solidFill>
-                  <a:srgbClr val="000000"/>
-                </a:solidFill>
-                <a:latin typeface="標楷體" panose="03000509000000000000" pitchFamily="65" charset="-120"/>
-                <a:ea typeface="標楷體" panose="03000509000000000000" pitchFamily="65" charset="-120"/>
-                <a:cs typeface="DFKai-SB"/>
-                <a:sym typeface="DFKai-SB"/>
-              </a:rPr>
-              <a:t>等人統整了數個遊戲化元素</a:t>
-            </a:r>
-            <a:endParaRPr b="1" dirty="0">
-              <a:solidFill>
-                <a:srgbClr val="000000"/>
-              </a:solidFill>
-              <a:latin typeface="標楷體" panose="03000509000000000000" pitchFamily="65" charset="-120"/>
-              <a:ea typeface="標楷體" panose="03000509000000000000" pitchFamily="65" charset="-120"/>
-            </a:endParaRPr>
-          </a:p>
-        </p:txBody>
-      </p:sp>
-      <p:sp>
-        <p:nvSpPr>
-          <p:cNvPr id="2" name="投影片編號版面配置區 1">
+      <p:graphicFrame>
+        <p:nvGraphicFramePr>
+          <p:cNvPr id="7" name="表格 6">
             <a:extLst>
               <a:ext uri="{FF2B5EF4-FFF2-40B4-BE49-F238E27FC236}">
-                <a16:creationId xmlns:a16="http://schemas.microsoft.com/office/drawing/2014/main" id="{25AE2364-C500-4590-BAD4-52A33400AE26}"/>
-              </a:ext>
-            </a:extLst>
-          </p:cNvPr>
-          <p:cNvSpPr>
-            <a:spLocks noGrp="1"/>
-          </p:cNvSpPr>
-          <p:nvPr>
-            <p:ph type="sldNum" idx="12"/>
-          </p:nvPr>
-        </p:nvSpPr>
-        <p:spPr/>
-        <p:txBody>
-          <a:bodyPr/>
-          <a:lstStyle/>
-          <a:p>
-            <a:fld id="{00000000-1234-1234-1234-123412341234}" type="slidenum">
-              <a:rPr lang="en-US" altLang="zh-TW" smtClean="0"/>
-              <a:pPr/>
-              <a:t>9</a:t>
-            </a:fld>
-            <a:endParaRPr lang="zh-TW" altLang="en-US"/>
-          </a:p>
-        </p:txBody>
-      </p:sp>
-      <p:graphicFrame>
-        <p:nvGraphicFramePr>
-          <p:cNvPr id="5" name="表格 4">
-            <a:extLst>
-              <a:ext uri="{FF2B5EF4-FFF2-40B4-BE49-F238E27FC236}">
-                <a16:creationId xmlns:a16="http://schemas.microsoft.com/office/drawing/2014/main" id="{E86AC877-E669-49B2-87CE-C0D93D8EBE36}"/>
+                <a16:creationId xmlns:a16="http://schemas.microsoft.com/office/drawing/2014/main" id="{BB83601F-3769-436E-81F6-C567F66F1B09}"/>
               </a:ext>
             </a:extLst>
           </p:cNvPr>
@@ -29309,14 +30978,14 @@
           <p:nvPr>
             <p:extLst>
               <p:ext uri="{D42A27DB-BD31-4B8C-83A1-F6EECF244321}">
-                <p14:modId xmlns:p14="http://schemas.microsoft.com/office/powerpoint/2010/main" val="3488729464"/>
+                <p14:modId xmlns:p14="http://schemas.microsoft.com/office/powerpoint/2010/main" val="1815305430"/>
               </p:ext>
             </p:extLst>
           </p:nvPr>
         </p:nvGraphicFramePr>
         <p:xfrm>
-          <a:off x="1378314" y="3365653"/>
-          <a:ext cx="8977541" cy="2871630"/>
+          <a:off x="1142685" y="4495542"/>
+          <a:ext cx="9297030" cy="2191023"/>
         </p:xfrm>
         <a:graphic>
           <a:graphicData uri="http://schemas.openxmlformats.org/drawingml/2006/table">
@@ -29325,21 +30994,21 @@
                 <a:tableStyleId>{9D7B26C5-4107-4FEC-AEDC-1716B250A1EF}</a:tableStyleId>
               </a:tblPr>
               <a:tblGrid>
-                <a:gridCol w="1555102">
+                <a:gridCol w="1610444">
                   <a:extLst>
                     <a:ext uri="{9D8B030D-6E8A-4147-A177-3AD203B41FA5}">
                       <a16:colId xmlns:a16="http://schemas.microsoft.com/office/drawing/2014/main" val="2915066396"/>
                     </a:ext>
                   </a:extLst>
                 </a:gridCol>
-                <a:gridCol w="4859549">
+                <a:gridCol w="5032488">
                   <a:extLst>
                     <a:ext uri="{9D8B030D-6E8A-4147-A177-3AD203B41FA5}">
                       <a16:colId xmlns:a16="http://schemas.microsoft.com/office/drawing/2014/main" val="655574669"/>
                     </a:ext>
                   </a:extLst>
                 </a:gridCol>
-                <a:gridCol w="2562890">
+                <a:gridCol w="2654098">
                   <a:extLst>
                     <a:ext uri="{9D8B030D-6E8A-4147-A177-3AD203B41FA5}">
                       <a16:colId xmlns:a16="http://schemas.microsoft.com/office/drawing/2014/main" val="595343033"/>
@@ -29347,7 +31016,7 @@
                   </a:extLst>
                 </a:gridCol>
               </a:tblGrid>
-              <a:tr h="319070">
+              <a:tr h="243447">
                 <a:tc>
                   <a:txBody>
                     <a:bodyPr/>
@@ -29456,7 +31125,7 @@
                   </a:ext>
                 </a:extLst>
               </a:tr>
-              <a:tr h="319070">
+              <a:tr h="243447">
                 <a:tc>
                   <a:txBody>
                     <a:bodyPr/>
@@ -29577,7 +31246,7 @@
                   </a:ext>
                 </a:extLst>
               </a:tr>
-              <a:tr h="319070">
+              <a:tr h="243447">
                 <a:tc>
                   <a:txBody>
                     <a:bodyPr/>
@@ -29698,7 +31367,7 @@
                   </a:ext>
                 </a:extLst>
               </a:tr>
-              <a:tr h="319070">
+              <a:tr h="243447">
                 <a:tc>
                   <a:txBody>
                     <a:bodyPr/>
@@ -29819,7 +31488,7 @@
                   </a:ext>
                 </a:extLst>
               </a:tr>
-              <a:tr h="319070">
+              <a:tr h="243447">
                 <a:tc>
                   <a:txBody>
                     <a:bodyPr/>
@@ -29907,7 +31576,7 @@
                         </a:lnSpc>
                       </a:pPr>
                       <a:r>
-                        <a:rPr lang="en-US" sz="1600">
+                        <a:rPr lang="en-US" sz="1600" dirty="0">
                           <a:solidFill>
                             <a:schemeClr val="bg1">
                               <a:lumMod val="10000"/>
@@ -29919,7 +31588,7 @@
                         </a:rPr>
                         <a:t>Levelling, level up.</a:t>
                       </a:r>
-                      <a:endParaRPr lang="zh-TW" sz="1600">
+                      <a:endParaRPr lang="zh-TW" sz="1600" dirty="0">
                         <a:solidFill>
                           <a:schemeClr val="bg1">
                             <a:lumMod val="10000"/>
@@ -29940,7 +31609,7 @@
                   </a:ext>
                 </a:extLst>
               </a:tr>
-              <a:tr h="319070">
+              <a:tr h="243447">
                 <a:tc>
                   <a:txBody>
                     <a:bodyPr/>
@@ -30061,7 +31730,7 @@
                   </a:ext>
                 </a:extLst>
               </a:tr>
-              <a:tr h="319070">
+              <a:tr h="243447">
                 <a:tc>
                   <a:txBody>
                     <a:bodyPr/>
@@ -30182,7 +31851,7 @@
                   </a:ext>
                 </a:extLst>
               </a:tr>
-              <a:tr h="319070">
+              <a:tr h="243447">
                 <a:tc>
                   <a:txBody>
                     <a:bodyPr/>
@@ -30303,7 +31972,7 @@
                   </a:ext>
                 </a:extLst>
               </a:tr>
-              <a:tr h="319070">
+              <a:tr h="243447">
                 <a:tc>
                   <a:txBody>
                     <a:bodyPr/>
@@ -30428,6 +32097,446 @@
           </a:graphicData>
         </a:graphic>
       </p:graphicFrame>
+    </p:spTree>
+  </p:cSld>
+  <p:clrMapOvr>
+    <a:masterClrMapping/>
+  </p:clrMapOvr>
+  <mc:AlternateContent xmlns:mc="http://schemas.openxmlformats.org/markup-compatibility/2006" xmlns:p159="http://schemas.microsoft.com/office/powerpoint/2015/09/main">
+    <mc:Choice Requires="p159">
+      <p:transition xmlns:p14="http://schemas.microsoft.com/office/powerpoint/2010/main" spd="slow" p14:dur="2000">
+        <p159:morph option="byObject"/>
+      </p:transition>
+    </mc:Choice>
+    <mc:Fallback xmlns="">
+      <p:transition spd="slow">
+        <p:fade/>
+      </p:transition>
+    </mc:Fallback>
+  </mc:AlternateContent>
+</p:sld>
+</file>
+
+<file path=ppt/slides/slide9.xml><?xml version="1.0" encoding="utf-8"?>
+<p:sld xmlns:a="http://schemas.openxmlformats.org/drawingml/2006/main" xmlns:r="http://schemas.openxmlformats.org/officeDocument/2006/relationships" xmlns:p="http://schemas.openxmlformats.org/presentationml/2006/main">
+  <p:cSld>
+    <p:spTree>
+      <p:nvGrpSpPr>
+        <p:cNvPr id="1" name="Shape 234"/>
+        <p:cNvGrpSpPr/>
+        <p:nvPr/>
+      </p:nvGrpSpPr>
+      <p:grpSpPr>
+        <a:xfrm>
+          <a:off x="0" y="0"/>
+          <a:ext cx="0" cy="0"/>
+          <a:chOff x="0" y="0"/>
+          <a:chExt cx="0" cy="0"/>
+        </a:xfrm>
+      </p:grpSpPr>
+      <p:sp>
+        <p:nvSpPr>
+          <p:cNvPr id="235" name="Google Shape;235;p37"/>
+          <p:cNvSpPr txBox="1">
+            <a:spLocks noGrp="1"/>
+          </p:cNvSpPr>
+          <p:nvPr>
+            <p:ph type="title"/>
+          </p:nvPr>
+        </p:nvSpPr>
+        <p:spPr>
+          <a:xfrm>
+            <a:off x="0" y="620713"/>
+            <a:ext cx="11582400" cy="1066800"/>
+          </a:xfrm>
+          <a:prstGeom prst="rect">
+            <a:avLst/>
+          </a:prstGeom>
+        </p:spPr>
+        <p:txBody>
+          <a:bodyPr spcFirstLastPara="1" vert="horz" wrap="square" lIns="121900" tIns="60933" rIns="121900" bIns="60933" numCol="1" anchor="ctr" anchorCtr="0" compatLnSpc="1">
+            <a:prstTxWarp prst="textNoShape">
+              <a:avLst/>
+            </a:prstTxWarp>
+            <a:noAutofit/>
+          </a:bodyPr>
+          <a:lstStyle/>
+          <a:p>
+            <a:pPr indent="609585">
+              <a:spcBef>
+                <a:spcPts val="0"/>
+              </a:spcBef>
+              <a:spcAft>
+                <a:spcPts val="0"/>
+              </a:spcAft>
+            </a:pPr>
+            <a:r>
+              <a:rPr lang="zh-TW" altLang="zh-TW" b="1" dirty="0">
+                <a:solidFill>
+                  <a:srgbClr val="000000"/>
+                </a:solidFill>
+                <a:latin typeface="DFKai-SB"/>
+                <a:ea typeface="DFKai-SB"/>
+                <a:cs typeface="DFKai-SB"/>
+                <a:sym typeface="DFKai-SB"/>
+              </a:rPr>
+              <a:t>文獻</a:t>
+            </a:r>
+            <a:r>
+              <a:rPr lang="zh-TW" altLang="en-US" b="1" dirty="0">
+                <a:solidFill>
+                  <a:srgbClr val="000000"/>
+                </a:solidFill>
+                <a:latin typeface="DFKai-SB"/>
+                <a:ea typeface="DFKai-SB"/>
+                <a:cs typeface="DFKai-SB"/>
+                <a:sym typeface="DFKai-SB"/>
+              </a:rPr>
+              <a:t>回顧</a:t>
+            </a:r>
+            <a:endParaRPr b="1" dirty="0"/>
+          </a:p>
+        </p:txBody>
+      </p:sp>
+      <p:sp>
+        <p:nvSpPr>
+          <p:cNvPr id="236" name="Google Shape;236;p37"/>
+          <p:cNvSpPr txBox="1">
+            <a:spLocks noGrp="1"/>
+          </p:cNvSpPr>
+          <p:nvPr>
+            <p:ph type="body" idx="1"/>
+          </p:nvPr>
+        </p:nvSpPr>
+        <p:spPr>
+          <a:xfrm>
+            <a:off x="624417" y="1773239"/>
+            <a:ext cx="10972800" cy="4827600"/>
+          </a:xfrm>
+          <a:prstGeom prst="rect">
+            <a:avLst/>
+          </a:prstGeom>
+        </p:spPr>
+        <p:txBody>
+          <a:bodyPr spcFirstLastPara="1" vert="horz" wrap="square" lIns="121900" tIns="60933" rIns="121900" bIns="60933" numCol="1" anchor="t" anchorCtr="0" compatLnSpc="1">
+            <a:prstTxWarp prst="textNoShape">
+              <a:avLst/>
+            </a:prstTxWarp>
+            <a:noAutofit/>
+          </a:bodyPr>
+          <a:lstStyle/>
+          <a:p>
+            <a:pPr marL="0" indent="0">
+              <a:spcBef>
+                <a:spcPts val="225"/>
+              </a:spcBef>
+              <a:spcAft>
+                <a:spcPts val="0"/>
+              </a:spcAft>
+              <a:buNone/>
+            </a:pPr>
+            <a:r>
+              <a:rPr lang="zh-TW" altLang="en-US" b="1" dirty="0">
+                <a:solidFill>
+                  <a:srgbClr val="000000"/>
+                </a:solidFill>
+                <a:latin typeface="DFKai-SB"/>
+                <a:ea typeface="DFKai-SB"/>
+                <a:cs typeface="DFKai-SB"/>
+                <a:sym typeface="DFKai-SB"/>
+              </a:rPr>
+              <a:t>軟體工程中的教育遊戲</a:t>
+            </a:r>
+            <a:r>
+              <a:rPr lang="zh-TW" b="1" dirty="0">
+                <a:solidFill>
+                  <a:srgbClr val="000000"/>
+                </a:solidFill>
+                <a:latin typeface="DFKai-SB"/>
+                <a:ea typeface="DFKai-SB"/>
+                <a:cs typeface="DFKai-SB"/>
+                <a:sym typeface="DFKai-SB"/>
+              </a:rPr>
+              <a:t>: </a:t>
+            </a:r>
+            <a:endParaRPr b="1" dirty="0">
+              <a:solidFill>
+                <a:srgbClr val="000000"/>
+              </a:solidFill>
+              <a:latin typeface="DFKai-SB"/>
+              <a:ea typeface="DFKai-SB"/>
+              <a:cs typeface="DFKai-SB"/>
+              <a:sym typeface="DFKai-SB"/>
+            </a:endParaRPr>
+          </a:p>
+          <a:p>
+            <a:pPr marL="0" indent="0">
+              <a:spcBef>
+                <a:spcPts val="225"/>
+              </a:spcBef>
+              <a:spcAft>
+                <a:spcPts val="0"/>
+              </a:spcAft>
+              <a:buNone/>
+            </a:pPr>
+            <a:endParaRPr dirty="0">
+              <a:solidFill>
+                <a:srgbClr val="000000"/>
+              </a:solidFill>
+              <a:latin typeface="Arial"/>
+              <a:ea typeface="Arial"/>
+              <a:cs typeface="Arial"/>
+              <a:sym typeface="Arial"/>
+            </a:endParaRPr>
+          </a:p>
+          <a:p>
+            <a:pPr indent="-457189">
+              <a:buClr>
+                <a:srgbClr val="000000"/>
+              </a:buClr>
+              <a:buSzPts val="1800"/>
+              <a:buFont typeface="DFKai-SB"/>
+              <a:buChar char="•"/>
+            </a:pPr>
+            <a:r>
+              <a:rPr lang="en-US" altLang="zh-TW" dirty="0">
+                <a:solidFill>
+                  <a:srgbClr val="000000"/>
+                </a:solidFill>
+              </a:rPr>
+              <a:t>Alex Baker</a:t>
+            </a:r>
+            <a:r>
+              <a:rPr lang="zh-TW" altLang="en-US" dirty="0">
+                <a:solidFill>
+                  <a:srgbClr val="000000"/>
+                </a:solidFill>
+                <a:latin typeface="DFKai-SB"/>
+                <a:ea typeface="DFKai-SB"/>
+                <a:cs typeface="DFKai-SB"/>
+                <a:sym typeface="DFKai-SB"/>
+              </a:rPr>
+              <a:t>等人設計一款模擬軟體工程過程的教育紙牌遊戲，遊戲流程與瀑布開發模式的流程相同，並導入開發過程可能發生的問題，以使學生充分了解軟體工程的過程</a:t>
+            </a:r>
+            <a:endParaRPr lang="en-US" altLang="zh-TW" dirty="0">
+              <a:solidFill>
+                <a:srgbClr val="000000"/>
+              </a:solidFill>
+              <a:latin typeface="DFKai-SB"/>
+              <a:ea typeface="DFKai-SB"/>
+              <a:cs typeface="DFKai-SB"/>
+              <a:sym typeface="DFKai-SB"/>
+            </a:endParaRPr>
+          </a:p>
+          <a:p>
+            <a:pPr indent="-457189">
+              <a:buClr>
+                <a:srgbClr val="000000"/>
+              </a:buClr>
+              <a:buSzPts val="1800"/>
+              <a:buFont typeface="DFKai-SB"/>
+              <a:buChar char="•"/>
+            </a:pPr>
+            <a:endParaRPr lang="en-US" dirty="0">
+              <a:solidFill>
+                <a:srgbClr val="000000"/>
+              </a:solidFill>
+              <a:latin typeface="DFKai-SB"/>
+              <a:ea typeface="DFKai-SB"/>
+              <a:cs typeface="DFKai-SB"/>
+              <a:sym typeface="DFKai-SB"/>
+            </a:endParaRPr>
+          </a:p>
+          <a:p>
+            <a:pPr indent="-457189">
+              <a:buClr>
+                <a:srgbClr val="000000"/>
+              </a:buClr>
+              <a:buSzPts val="1800"/>
+              <a:buFont typeface="DFKai-SB"/>
+              <a:buChar char="•"/>
+            </a:pPr>
+            <a:r>
+              <a:rPr lang="en-US" altLang="zh-TW" dirty="0">
+                <a:solidFill>
+                  <a:srgbClr val="000000"/>
+                </a:solidFill>
+                <a:latin typeface="DFKai-SB"/>
+                <a:ea typeface="DFKai-SB"/>
+                <a:cs typeface="DFKai-SB"/>
+                <a:sym typeface="DFKai-SB"/>
+              </a:rPr>
+              <a:t>Christiane </a:t>
+            </a:r>
+            <a:r>
+              <a:rPr lang="en-US" altLang="zh-TW" dirty="0" err="1">
+                <a:solidFill>
+                  <a:srgbClr val="000000"/>
+                </a:solidFill>
+                <a:latin typeface="DFKai-SB"/>
+                <a:ea typeface="DFKai-SB"/>
+                <a:cs typeface="DFKai-SB"/>
+                <a:sym typeface="DFKai-SB"/>
+              </a:rPr>
+              <a:t>Gresse</a:t>
+            </a:r>
+            <a:r>
+              <a:rPr lang="en-US" altLang="zh-TW" dirty="0">
+                <a:solidFill>
+                  <a:srgbClr val="000000"/>
+                </a:solidFill>
+                <a:latin typeface="DFKai-SB"/>
+                <a:ea typeface="DFKai-SB"/>
+                <a:cs typeface="DFKai-SB"/>
+                <a:sym typeface="DFKai-SB"/>
+              </a:rPr>
+              <a:t> von </a:t>
+            </a:r>
+            <a:r>
+              <a:rPr lang="en-US" altLang="zh-TW" dirty="0" err="1">
+                <a:solidFill>
+                  <a:srgbClr val="000000"/>
+                </a:solidFill>
+                <a:latin typeface="DFKai-SB"/>
+                <a:ea typeface="DFKai-SB"/>
+                <a:cs typeface="DFKai-SB"/>
+                <a:sym typeface="DFKai-SB"/>
+              </a:rPr>
+              <a:t>Wangenheim</a:t>
+            </a:r>
+            <a:r>
+              <a:rPr lang="zh-TW" altLang="en-US" dirty="0">
+                <a:solidFill>
+                  <a:srgbClr val="000000"/>
+                </a:solidFill>
+                <a:latin typeface="DFKai-SB"/>
+                <a:ea typeface="DFKai-SB"/>
+                <a:cs typeface="DFKai-SB"/>
+                <a:sym typeface="DFKai-SB"/>
+              </a:rPr>
+              <a:t>等人提出運用遊戲教學</a:t>
+            </a:r>
+            <a:r>
+              <a:rPr lang="en-US" altLang="zh-TW" dirty="0">
+                <a:solidFill>
+                  <a:srgbClr val="000000"/>
+                </a:solidFill>
+                <a:latin typeface="DFKai-SB"/>
+                <a:ea typeface="DFKai-SB"/>
+                <a:cs typeface="DFKai-SB"/>
+                <a:sym typeface="DFKai-SB"/>
+              </a:rPr>
+              <a:t>Scrum</a:t>
+            </a:r>
+            <a:r>
+              <a:rPr lang="zh-TW" altLang="en-US" dirty="0">
+                <a:solidFill>
+                  <a:srgbClr val="000000"/>
+                </a:solidFill>
+                <a:latin typeface="DFKai-SB"/>
+                <a:ea typeface="DFKai-SB"/>
+                <a:cs typeface="DFKai-SB"/>
+                <a:sym typeface="DFKai-SB"/>
+              </a:rPr>
+              <a:t>開發方法，在課堂中模擬</a:t>
+            </a:r>
+            <a:r>
+              <a:rPr lang="en-US" altLang="zh-TW" dirty="0">
+                <a:solidFill>
+                  <a:srgbClr val="000000"/>
+                </a:solidFill>
+                <a:latin typeface="DFKai-SB"/>
+                <a:ea typeface="DFKai-SB"/>
+                <a:cs typeface="DFKai-SB"/>
+                <a:sym typeface="DFKai-SB"/>
+              </a:rPr>
+              <a:t>Scrum</a:t>
+            </a:r>
+            <a:r>
+              <a:rPr lang="zh-TW" altLang="en-US" dirty="0">
+                <a:solidFill>
+                  <a:srgbClr val="000000"/>
+                </a:solidFill>
+                <a:latin typeface="DFKai-SB"/>
+                <a:ea typeface="DFKai-SB"/>
+                <a:cs typeface="DFKai-SB"/>
+                <a:sym typeface="DFKai-SB"/>
+              </a:rPr>
+              <a:t>的開發環節並進行小組競爭，成功激發學生的參與度</a:t>
+            </a:r>
+          </a:p>
+          <a:p>
+            <a:pPr marL="609585" indent="0">
+              <a:spcBef>
+                <a:spcPts val="225"/>
+              </a:spcBef>
+              <a:spcAft>
+                <a:spcPts val="0"/>
+              </a:spcAft>
+              <a:buNone/>
+            </a:pPr>
+            <a:endParaRPr dirty="0">
+              <a:solidFill>
+                <a:srgbClr val="000000"/>
+              </a:solidFill>
+              <a:latin typeface="Arial"/>
+              <a:ea typeface="Arial"/>
+              <a:cs typeface="Arial"/>
+              <a:sym typeface="Arial"/>
+            </a:endParaRPr>
+          </a:p>
+          <a:p>
+            <a:pPr marL="609585" indent="0">
+              <a:spcBef>
+                <a:spcPts val="225"/>
+              </a:spcBef>
+              <a:spcAft>
+                <a:spcPts val="0"/>
+              </a:spcAft>
+              <a:buNone/>
+            </a:pPr>
+            <a:endParaRPr dirty="0">
+              <a:solidFill>
+                <a:srgbClr val="000000"/>
+              </a:solidFill>
+              <a:latin typeface="Arial"/>
+              <a:ea typeface="Arial"/>
+              <a:cs typeface="Arial"/>
+              <a:sym typeface="Arial"/>
+            </a:endParaRPr>
+          </a:p>
+        </p:txBody>
+      </p:sp>
+      <p:sp>
+        <p:nvSpPr>
+          <p:cNvPr id="2" name="投影片編號版面配置區 1">
+            <a:extLst>
+              <a:ext uri="{FF2B5EF4-FFF2-40B4-BE49-F238E27FC236}">
+                <a16:creationId xmlns:a16="http://schemas.microsoft.com/office/drawing/2014/main" id="{056FA601-7A03-4D47-8B52-8501F0AA263A}"/>
+              </a:ext>
+            </a:extLst>
+          </p:cNvPr>
+          <p:cNvSpPr>
+            <a:spLocks noGrp="1"/>
+          </p:cNvSpPr>
+          <p:nvPr>
+            <p:ph type="sldNum" idx="12"/>
+          </p:nvPr>
+        </p:nvSpPr>
+        <p:spPr/>
+        <p:txBody>
+          <a:bodyPr/>
+          <a:lstStyle/>
+          <a:p>
+            <a:fld id="{00000000-1234-1234-1234-123412341234}" type="slidenum">
+              <a:rPr lang="en-US" altLang="zh-TW" smtClean="0"/>
+              <a:pPr/>
+              <a:t>9</a:t>
+            </a:fld>
+            <a:endParaRPr lang="zh-TW" altLang="en-US"/>
+          </a:p>
+        </p:txBody>
+      </p:sp>
     </p:spTree>
   </p:cSld>
   <p:clrMapOvr>
